--- a/wireframe/Projeto-Lab-Senai.pptx
+++ b/wireframe/Projeto-Lab-Senai.pptx
@@ -104,6 +104,11 @@
       </a:defRPr>
     </a:lvl9pPr>
   </p:defaultTextStyle>
+  <p:extLst>
+    <p:ext uri="{EFAFB233-063F-42B5-8137-9DF3F51BA10A}">
+      <p15:sldGuideLst xmlns:p15="http://schemas.microsoft.com/office/powerpoint/2012/main"/>
+    </p:ext>
+  </p:extLst>
 </p:presentation>
 </file>
 
@@ -238,7 +243,7 @@
           <a:p>
             <a:fld id="{8F2667C3-B334-4B1C-BDBA-D4E814E22DE9}" type="datetimeFigureOut">
               <a:rPr lang="pt-BR" smtClean="0"/>
-              <a:t>10/09/2019</a:t>
+              <a:t>11/09/2019</a:t>
             </a:fld>
             <a:endParaRPr lang="pt-BR"/>
           </a:p>
@@ -408,7 +413,7 @@
           <a:p>
             <a:fld id="{8F2667C3-B334-4B1C-BDBA-D4E814E22DE9}" type="datetimeFigureOut">
               <a:rPr lang="pt-BR" smtClean="0"/>
-              <a:t>10/09/2019</a:t>
+              <a:t>11/09/2019</a:t>
             </a:fld>
             <a:endParaRPr lang="pt-BR"/>
           </a:p>
@@ -588,7 +593,7 @@
           <a:p>
             <a:fld id="{8F2667C3-B334-4B1C-BDBA-D4E814E22DE9}" type="datetimeFigureOut">
               <a:rPr lang="pt-BR" smtClean="0"/>
-              <a:t>10/09/2019</a:t>
+              <a:t>11/09/2019</a:t>
             </a:fld>
             <a:endParaRPr lang="pt-BR"/>
           </a:p>
@@ -758,7 +763,7 @@
           <a:p>
             <a:fld id="{8F2667C3-B334-4B1C-BDBA-D4E814E22DE9}" type="datetimeFigureOut">
               <a:rPr lang="pt-BR" smtClean="0"/>
-              <a:t>10/09/2019</a:t>
+              <a:t>11/09/2019</a:t>
             </a:fld>
             <a:endParaRPr lang="pt-BR"/>
           </a:p>
@@ -1002,7 +1007,7 @@
           <a:p>
             <a:fld id="{8F2667C3-B334-4B1C-BDBA-D4E814E22DE9}" type="datetimeFigureOut">
               <a:rPr lang="pt-BR" smtClean="0"/>
-              <a:t>10/09/2019</a:t>
+              <a:t>11/09/2019</a:t>
             </a:fld>
             <a:endParaRPr lang="pt-BR"/>
           </a:p>
@@ -1234,7 +1239,7 @@
           <a:p>
             <a:fld id="{8F2667C3-B334-4B1C-BDBA-D4E814E22DE9}" type="datetimeFigureOut">
               <a:rPr lang="pt-BR" smtClean="0"/>
-              <a:t>10/09/2019</a:t>
+              <a:t>11/09/2019</a:t>
             </a:fld>
             <a:endParaRPr lang="pt-BR"/>
           </a:p>
@@ -1601,7 +1606,7 @@
           <a:p>
             <a:fld id="{8F2667C3-B334-4B1C-BDBA-D4E814E22DE9}" type="datetimeFigureOut">
               <a:rPr lang="pt-BR" smtClean="0"/>
-              <a:t>10/09/2019</a:t>
+              <a:t>11/09/2019</a:t>
             </a:fld>
             <a:endParaRPr lang="pt-BR"/>
           </a:p>
@@ -1719,7 +1724,7 @@
           <a:p>
             <a:fld id="{8F2667C3-B334-4B1C-BDBA-D4E814E22DE9}" type="datetimeFigureOut">
               <a:rPr lang="pt-BR" smtClean="0"/>
-              <a:t>10/09/2019</a:t>
+              <a:t>11/09/2019</a:t>
             </a:fld>
             <a:endParaRPr lang="pt-BR"/>
           </a:p>
@@ -1814,7 +1819,7 @@
           <a:p>
             <a:fld id="{8F2667C3-B334-4B1C-BDBA-D4E814E22DE9}" type="datetimeFigureOut">
               <a:rPr lang="pt-BR" smtClean="0"/>
-              <a:t>10/09/2019</a:t>
+              <a:t>11/09/2019</a:t>
             </a:fld>
             <a:endParaRPr lang="pt-BR"/>
           </a:p>
@@ -2091,7 +2096,7 @@
           <a:p>
             <a:fld id="{8F2667C3-B334-4B1C-BDBA-D4E814E22DE9}" type="datetimeFigureOut">
               <a:rPr lang="pt-BR" smtClean="0"/>
-              <a:t>10/09/2019</a:t>
+              <a:t>11/09/2019</a:t>
             </a:fld>
             <a:endParaRPr lang="pt-BR"/>
           </a:p>
@@ -2348,7 +2353,7 @@
           <a:p>
             <a:fld id="{8F2667C3-B334-4B1C-BDBA-D4E814E22DE9}" type="datetimeFigureOut">
               <a:rPr lang="pt-BR" smtClean="0"/>
-              <a:t>10/09/2019</a:t>
+              <a:t>11/09/2019</a:t>
             </a:fld>
             <a:endParaRPr lang="pt-BR"/>
           </a:p>
@@ -2561,7 +2566,7 @@
           <a:p>
             <a:fld id="{8F2667C3-B334-4B1C-BDBA-D4E814E22DE9}" type="datetimeFigureOut">
               <a:rPr lang="pt-BR" smtClean="0"/>
-              <a:t>10/09/2019</a:t>
+              <a:t>11/09/2019</a:t>
             </a:fld>
             <a:endParaRPr lang="pt-BR"/>
           </a:p>
@@ -2978,20 +2983,20 @@
       </p:grpSpPr>
       <p:sp>
         <p:nvSpPr>
-          <p:cNvPr id="4" name="Retângulo 3"/>
+          <p:cNvPr id="5" name="Retângulo 4"/>
           <p:cNvSpPr/>
           <p:nvPr/>
         </p:nvSpPr>
         <p:spPr>
           <a:xfrm>
-            <a:off x="0" y="0"/>
-            <a:ext cx="6858000" cy="1803400"/>
+            <a:off x="0" y="-1"/>
+            <a:ext cx="6858000" cy="352425"/>
           </a:xfrm>
           <a:prstGeom prst="rect">
             <a:avLst/>
           </a:prstGeom>
           <a:solidFill>
-            <a:schemeClr val="accent2"/>
+            <a:srgbClr val="ED7D31"/>
           </a:solidFill>
         </p:spPr>
         <p:style>
@@ -3021,20 +3026,20 @@
       </p:sp>
       <p:sp>
         <p:nvSpPr>
-          <p:cNvPr id="5" name="Retângulo 4"/>
+          <p:cNvPr id="4" name="Retângulo 3"/>
           <p:cNvSpPr/>
           <p:nvPr/>
         </p:nvSpPr>
         <p:spPr>
           <a:xfrm>
-            <a:off x="0" y="-1"/>
-            <a:ext cx="6858000" cy="352425"/>
+            <a:off x="0" y="0"/>
+            <a:ext cx="6858000" cy="1803400"/>
           </a:xfrm>
           <a:prstGeom prst="rect">
             <a:avLst/>
           </a:prstGeom>
           <a:solidFill>
-            <a:srgbClr val="ED7D31"/>
+            <a:schemeClr val="accent2"/>
           </a:solidFill>
         </p:spPr>
         <p:style>
@@ -3062,26 +3067,83 @@
           </a:p>
         </p:txBody>
       </p:sp>
-      <p:sp>
-        <p:nvSpPr>
-          <p:cNvPr id="6" name="Retângulo 5"/>
+      <p:graphicFrame>
+        <p:nvGraphicFramePr>
+          <p:cNvPr id="2" name="Objeto 1"/>
+          <p:cNvGraphicFramePr>
+            <a:graphicFrameLocks noChangeAspect="1"/>
+          </p:cNvGraphicFramePr>
+          <p:nvPr>
+            <p:extLst>
+              <p:ext uri="{D42A27DB-BD31-4B8C-83A1-F6EECF244321}">
+                <p14:modId xmlns:p14="http://schemas.microsoft.com/office/powerpoint/2010/main" val="3418908638"/>
+              </p:ext>
+            </p:extLst>
+          </p:nvPr>
+        </p:nvGraphicFramePr>
+        <p:xfrm>
+          <a:off x="-2" y="835"/>
+          <a:ext cx="6858001" cy="1911226"/>
+        </p:xfrm>
+        <a:graphic>
+          <a:graphicData uri="http://schemas.openxmlformats.org/presentationml/2006/ole">
+            <mc:AlternateContent xmlns:mc="http://schemas.openxmlformats.org/markup-compatibility/2006">
+              <mc:Choice xmlns:v="urn:schemas-microsoft-com:vml" Requires="v">
+                <p:oleObj spid="_x0000_s1031" name="Acrobat Document" r:id="rId3" imgW="3295650" imgH="1847545" progId="AcroExch.Document.DC">
+                  <p:embed/>
+                </p:oleObj>
+              </mc:Choice>
+              <mc:Fallback>
+                <p:oleObj name="Acrobat Document" r:id="rId3" imgW="3295650" imgH="1847545" progId="AcroExch.Document.DC">
+                  <p:embed/>
+                  <p:pic>
+                    <p:nvPicPr>
+                      <p:cNvPr id="0" name=""/>
+                      <p:cNvPicPr/>
+                      <p:nvPr/>
+                    </p:nvPicPr>
+                    <p:blipFill>
+                      <a:blip r:embed="rId4"/>
+                      <a:stretch>
+                        <a:fillRect/>
+                      </a:stretch>
+                    </p:blipFill>
+                    <p:spPr>
+                      <a:xfrm>
+                        <a:off x="-2" y="835"/>
+                        <a:ext cx="6858001" cy="1911226"/>
+                      </a:xfrm>
+                      <a:prstGeom prst="rect">
+                        <a:avLst/>
+                      </a:prstGeom>
+                    </p:spPr>
+                  </p:pic>
+                </p:oleObj>
+              </mc:Fallback>
+            </mc:AlternateContent>
+          </a:graphicData>
+        </a:graphic>
+      </p:graphicFrame>
+      <p:sp>
+        <p:nvSpPr>
+          <p:cNvPr id="3" name="Retângulo 2"/>
           <p:cNvSpPr/>
           <p:nvPr/>
         </p:nvSpPr>
         <p:spPr>
           <a:xfrm>
-            <a:off x="0" y="1555750"/>
-            <a:ext cx="6858000" cy="4254500"/>
+            <a:off x="283982" y="125245"/>
+            <a:ext cx="2840315" cy="317996"/>
           </a:xfrm>
           <a:prstGeom prst="rect">
             <a:avLst/>
           </a:prstGeom>
           <a:solidFill>
-            <a:schemeClr val="accent6">
-              <a:lumMod val="40000"/>
-              <a:lumOff val="60000"/>
-            </a:schemeClr>
+            <a:srgbClr val="ECEDED"/>
           </a:solidFill>
+          <a:ln>
+            <a:noFill/>
+          </a:ln>
         </p:spPr>
         <p:style>
           <a:lnRef idx="2">
@@ -3104,24 +3166,30 @@
           <a:lstStyle/>
           <a:p>
             <a:pPr algn="ctr"/>
-            <a:endParaRPr lang="pt-BR" dirty="0"/>
-          </a:p>
-        </p:txBody>
-      </p:sp>
-      <p:sp>
-        <p:nvSpPr>
-          <p:cNvPr id="7" name="Retângulo 6"/>
+            <a:endParaRPr lang="pt-BR"/>
+          </a:p>
+        </p:txBody>
+      </p:sp>
+      <p:sp>
+        <p:nvSpPr>
+          <p:cNvPr id="6" name="Retângulo 5"/>
           <p:cNvSpPr/>
           <p:nvPr/>
         </p:nvSpPr>
         <p:spPr>
           <a:xfrm>
-            <a:off x="533400" y="2120900"/>
-            <a:ext cx="1685738" cy="3048000"/>
+            <a:off x="0" y="4089400"/>
+            <a:ext cx="6858000" cy="4254500"/>
           </a:xfrm>
           <a:prstGeom prst="rect">
             <a:avLst/>
           </a:prstGeom>
+          <a:solidFill>
+            <a:schemeClr val="accent6">
+              <a:lumMod val="40000"/>
+              <a:lumOff val="60000"/>
+            </a:schemeClr>
+          </a:solidFill>
         </p:spPr>
         <p:style>
           <a:lnRef idx="2">
@@ -3144,51 +3212,20 @@
           <a:lstStyle/>
           <a:p>
             <a:pPr algn="ctr"/>
-            <a:endParaRPr lang="pt-BR"/>
-          </a:p>
-        </p:txBody>
-      </p:sp>
-      <p:sp>
-        <p:nvSpPr>
-          <p:cNvPr id="11" name="CaixaDeTexto 10"/>
-          <p:cNvSpPr txBox="1"/>
-          <p:nvPr/>
-        </p:nvSpPr>
-        <p:spPr>
-          <a:xfrm>
-            <a:off x="3060147" y="5295286"/>
-            <a:ext cx="922659" cy="253916"/>
-          </a:xfrm>
-          <a:prstGeom prst="rect">
-            <a:avLst/>
-          </a:prstGeom>
-          <a:noFill/>
-        </p:spPr>
-        <p:txBody>
-          <a:bodyPr wrap="square" rtlCol="0">
-            <a:spAutoFit/>
-          </a:bodyPr>
-          <a:lstStyle/>
-          <a:p>
-            <a:pPr algn="ctr"/>
-            <a:r>
-              <a:rPr lang="pt-BR" sz="1050" b="1" u="sng" dirty="0" smtClean="0"/>
-              <a:t>Veja mais &gt;&gt;</a:t>
-            </a:r>
-            <a:endParaRPr lang="pt-BR" sz="1050" dirty="0"/>
-          </a:p>
-        </p:txBody>
-      </p:sp>
-      <p:sp>
-        <p:nvSpPr>
-          <p:cNvPr id="12" name="Retângulo 11"/>
+            <a:endParaRPr lang="pt-BR" dirty="0"/>
+          </a:p>
+        </p:txBody>
+      </p:sp>
+      <p:sp>
+        <p:nvSpPr>
+          <p:cNvPr id="7" name="Retângulo 6"/>
           <p:cNvSpPr/>
           <p:nvPr/>
         </p:nvSpPr>
         <p:spPr>
           <a:xfrm>
-            <a:off x="0" y="5810250"/>
-            <a:ext cx="6858000" cy="933450"/>
+            <a:off x="533400" y="4654550"/>
+            <a:ext cx="1685738" cy="3048000"/>
           </a:xfrm>
           <a:prstGeom prst="rect">
             <a:avLst/>
@@ -3221,14 +3258,14 @@
       </p:sp>
       <p:sp>
         <p:nvSpPr>
-          <p:cNvPr id="13" name="CaixaDeTexto 12"/>
+          <p:cNvPr id="11" name="CaixaDeTexto 10"/>
           <p:cNvSpPr txBox="1"/>
           <p:nvPr/>
         </p:nvSpPr>
         <p:spPr>
           <a:xfrm>
-            <a:off x="1264765" y="-28227"/>
-            <a:ext cx="728084" cy="369332"/>
+            <a:off x="3060147" y="7828936"/>
+            <a:ext cx="922659" cy="253916"/>
           </a:xfrm>
           <a:prstGeom prst="rect">
             <a:avLst/>
@@ -3236,156 +3273,33 @@
           <a:noFill/>
         </p:spPr>
         <p:txBody>
-          <a:bodyPr wrap="none" rtlCol="0">
+          <a:bodyPr wrap="square" rtlCol="0">
             <a:spAutoFit/>
           </a:bodyPr>
           <a:lstStyle/>
           <a:p>
-            <a:r>
-              <a:rPr lang="pt-BR" dirty="0" smtClean="0">
-                <a:solidFill>
-                  <a:schemeClr val="bg1"/>
-                </a:solidFill>
-              </a:rPr>
-              <a:t>home</a:t>
-            </a:r>
-            <a:endParaRPr lang="pt-BR" dirty="0">
-              <a:solidFill>
-                <a:schemeClr val="bg1"/>
-              </a:solidFill>
-            </a:endParaRPr>
-          </a:p>
-        </p:txBody>
-      </p:sp>
-      <p:sp>
-        <p:nvSpPr>
-          <p:cNvPr id="14" name="CaixaDeTexto 13"/>
-          <p:cNvSpPr txBox="1"/>
+            <a:pPr algn="ctr"/>
+            <a:r>
+              <a:rPr lang="pt-BR" sz="1050" b="1" u="sng" dirty="0" smtClean="0"/>
+              <a:t>Veja mais &gt;&gt;</a:t>
+            </a:r>
+            <a:endParaRPr lang="pt-BR" sz="1050" dirty="0"/>
+          </a:p>
+        </p:txBody>
+      </p:sp>
+      <p:sp>
+        <p:nvSpPr>
+          <p:cNvPr id="12" name="Retângulo 11"/>
+          <p:cNvSpPr/>
           <p:nvPr/>
         </p:nvSpPr>
         <p:spPr>
           <a:xfrm>
-            <a:off x="1926575" y="-28227"/>
-            <a:ext cx="959750" cy="369332"/>
+            <a:off x="0" y="8337783"/>
+            <a:ext cx="6858000" cy="933450"/>
           </a:xfrm>
           <a:prstGeom prst="rect">
             <a:avLst/>
-          </a:prstGeom>
-          <a:noFill/>
-        </p:spPr>
-        <p:txBody>
-          <a:bodyPr wrap="none" rtlCol="0">
-            <a:spAutoFit/>
-          </a:bodyPr>
-          <a:lstStyle/>
-          <a:p>
-            <a:r>
-              <a:rPr lang="pt-BR" dirty="0" smtClean="0">
-                <a:solidFill>
-                  <a:schemeClr val="bg1"/>
-                </a:solidFill>
-              </a:rPr>
-              <a:t>projetos</a:t>
-            </a:r>
-            <a:endParaRPr lang="pt-BR" dirty="0">
-              <a:solidFill>
-                <a:schemeClr val="bg1"/>
-              </a:solidFill>
-            </a:endParaRPr>
-          </a:p>
-        </p:txBody>
-      </p:sp>
-      <p:sp>
-        <p:nvSpPr>
-          <p:cNvPr id="15" name="CaixaDeTexto 14"/>
-          <p:cNvSpPr txBox="1"/>
-          <p:nvPr/>
-        </p:nvSpPr>
-        <p:spPr>
-          <a:xfrm>
-            <a:off x="3890329" y="-28227"/>
-            <a:ext cx="710644" cy="369332"/>
-          </a:xfrm>
-          <a:prstGeom prst="rect">
-            <a:avLst/>
-          </a:prstGeom>
-          <a:noFill/>
-        </p:spPr>
-        <p:txBody>
-          <a:bodyPr wrap="none" rtlCol="0">
-            <a:spAutoFit/>
-          </a:bodyPr>
-          <a:lstStyle/>
-          <a:p>
-            <a:r>
-              <a:rPr lang="pt-BR" dirty="0" smtClean="0">
-                <a:solidFill>
-                  <a:schemeClr val="bg1"/>
-                </a:solidFill>
-              </a:rPr>
-              <a:t>sobre</a:t>
-            </a:r>
-            <a:endParaRPr lang="pt-BR" dirty="0">
-              <a:solidFill>
-                <a:schemeClr val="bg1"/>
-              </a:solidFill>
-            </a:endParaRPr>
-          </a:p>
-        </p:txBody>
-      </p:sp>
-      <p:sp>
-        <p:nvSpPr>
-          <p:cNvPr id="16" name="CaixaDeTexto 15"/>
-          <p:cNvSpPr txBox="1"/>
-          <p:nvPr/>
-        </p:nvSpPr>
-        <p:spPr>
-          <a:xfrm>
-            <a:off x="4599970" y="-26430"/>
-            <a:ext cx="901209" cy="369332"/>
-          </a:xfrm>
-          <a:prstGeom prst="rect">
-            <a:avLst/>
-          </a:prstGeom>
-          <a:noFill/>
-        </p:spPr>
-        <p:txBody>
-          <a:bodyPr wrap="none" rtlCol="0">
-            <a:spAutoFit/>
-          </a:bodyPr>
-          <a:lstStyle/>
-          <a:p>
-            <a:r>
-              <a:rPr lang="pt-BR" dirty="0" smtClean="0">
-                <a:solidFill>
-                  <a:schemeClr val="bg1"/>
-                </a:solidFill>
-              </a:rPr>
-              <a:t>contato</a:t>
-            </a:r>
-            <a:endParaRPr lang="pt-BR" dirty="0">
-              <a:solidFill>
-                <a:schemeClr val="bg1"/>
-              </a:solidFill>
-            </a:endParaRPr>
-          </a:p>
-        </p:txBody>
-      </p:sp>
-      <p:sp>
-        <p:nvSpPr>
-          <p:cNvPr id="18" name="Retângulo Arredondado 17"/>
-          <p:cNvSpPr/>
-          <p:nvPr/>
-        </p:nvSpPr>
-        <p:spPr>
-          <a:xfrm>
-            <a:off x="2387878" y="1661297"/>
-            <a:ext cx="719137" cy="242888"/>
-          </a:xfrm>
-          <a:prstGeom prst="roundRect">
-            <a:avLst>
-              <a:gd name="adj" fmla="val 50000"/>
-            </a:avLst>
           </a:prstGeom>
         </p:spPr>
         <p:style>
@@ -3409,23 +3323,187 @@
           <a:lstStyle/>
           <a:p>
             <a:pPr algn="ctr"/>
-            <a:r>
-              <a:rPr lang="pt-BR" sz="800" dirty="0" smtClean="0"/>
-              <a:t>Impressora 3D</a:t>
-            </a:r>
-            <a:endParaRPr lang="pt-BR" sz="800" dirty="0"/>
-          </a:p>
-        </p:txBody>
-      </p:sp>
-      <p:sp>
-        <p:nvSpPr>
-          <p:cNvPr id="19" name="Retângulo Arredondado 18"/>
+            <a:endParaRPr lang="pt-BR"/>
+          </a:p>
+        </p:txBody>
+      </p:sp>
+      <p:sp>
+        <p:nvSpPr>
+          <p:cNvPr id="13" name="CaixaDeTexto 12"/>
+          <p:cNvSpPr txBox="1"/>
+          <p:nvPr/>
+        </p:nvSpPr>
+        <p:spPr>
+          <a:xfrm>
+            <a:off x="1264765" y="-28227"/>
+            <a:ext cx="728084" cy="369332"/>
+          </a:xfrm>
+          <a:prstGeom prst="rect">
+            <a:avLst/>
+          </a:prstGeom>
+          <a:noFill/>
+        </p:spPr>
+        <p:txBody>
+          <a:bodyPr wrap="none" rtlCol="0">
+            <a:spAutoFit/>
+          </a:bodyPr>
+          <a:lstStyle/>
+          <a:p>
+            <a:r>
+              <a:rPr lang="pt-BR" dirty="0" smtClean="0">
+                <a:solidFill>
+                  <a:schemeClr val="accent1">
+                    <a:lumMod val="50000"/>
+                  </a:schemeClr>
+                </a:solidFill>
+              </a:rPr>
+              <a:t>home</a:t>
+            </a:r>
+            <a:endParaRPr lang="pt-BR" dirty="0">
+              <a:solidFill>
+                <a:schemeClr val="accent1">
+                  <a:lumMod val="50000"/>
+                </a:schemeClr>
+              </a:solidFill>
+            </a:endParaRPr>
+          </a:p>
+        </p:txBody>
+      </p:sp>
+      <p:sp>
+        <p:nvSpPr>
+          <p:cNvPr id="14" name="CaixaDeTexto 13"/>
+          <p:cNvSpPr txBox="1"/>
+          <p:nvPr/>
+        </p:nvSpPr>
+        <p:spPr>
+          <a:xfrm>
+            <a:off x="1926575" y="-28227"/>
+            <a:ext cx="959750" cy="369332"/>
+          </a:xfrm>
+          <a:prstGeom prst="rect">
+            <a:avLst/>
+          </a:prstGeom>
+          <a:noFill/>
+        </p:spPr>
+        <p:txBody>
+          <a:bodyPr wrap="none" rtlCol="0">
+            <a:spAutoFit/>
+          </a:bodyPr>
+          <a:lstStyle/>
+          <a:p>
+            <a:r>
+              <a:rPr lang="pt-BR" dirty="0" smtClean="0">
+                <a:solidFill>
+                  <a:schemeClr val="accent1">
+                    <a:lumMod val="50000"/>
+                  </a:schemeClr>
+                </a:solidFill>
+              </a:rPr>
+              <a:t>projetos</a:t>
+            </a:r>
+            <a:endParaRPr lang="pt-BR" dirty="0">
+              <a:solidFill>
+                <a:schemeClr val="accent1">
+                  <a:lumMod val="50000"/>
+                </a:schemeClr>
+              </a:solidFill>
+            </a:endParaRPr>
+          </a:p>
+        </p:txBody>
+      </p:sp>
+      <p:sp>
+        <p:nvSpPr>
+          <p:cNvPr id="15" name="CaixaDeTexto 14"/>
+          <p:cNvSpPr txBox="1"/>
+          <p:nvPr/>
+        </p:nvSpPr>
+        <p:spPr>
+          <a:xfrm>
+            <a:off x="3907671" y="-20487"/>
+            <a:ext cx="710644" cy="369332"/>
+          </a:xfrm>
+          <a:prstGeom prst="rect">
+            <a:avLst/>
+          </a:prstGeom>
+          <a:noFill/>
+        </p:spPr>
+        <p:txBody>
+          <a:bodyPr wrap="none" rtlCol="0">
+            <a:spAutoFit/>
+          </a:bodyPr>
+          <a:lstStyle/>
+          <a:p>
+            <a:r>
+              <a:rPr lang="pt-BR" dirty="0" smtClean="0">
+                <a:solidFill>
+                  <a:schemeClr val="accent1">
+                    <a:lumMod val="50000"/>
+                  </a:schemeClr>
+                </a:solidFill>
+              </a:rPr>
+              <a:t>sobre</a:t>
+            </a:r>
+            <a:endParaRPr lang="pt-BR" dirty="0">
+              <a:solidFill>
+                <a:schemeClr val="accent1">
+                  <a:lumMod val="50000"/>
+                </a:schemeClr>
+              </a:solidFill>
+            </a:endParaRPr>
+          </a:p>
+        </p:txBody>
+      </p:sp>
+      <p:sp>
+        <p:nvSpPr>
+          <p:cNvPr id="16" name="CaixaDeTexto 15"/>
+          <p:cNvSpPr txBox="1"/>
+          <p:nvPr/>
+        </p:nvSpPr>
+        <p:spPr>
+          <a:xfrm>
+            <a:off x="4599970" y="-26430"/>
+            <a:ext cx="1384866" cy="369332"/>
+          </a:xfrm>
+          <a:prstGeom prst="rect">
+            <a:avLst/>
+          </a:prstGeom>
+          <a:noFill/>
+        </p:spPr>
+        <p:txBody>
+          <a:bodyPr wrap="none" rtlCol="0">
+            <a:spAutoFit/>
+          </a:bodyPr>
+          <a:lstStyle/>
+          <a:p>
+            <a:r>
+              <a:rPr lang="pt-BR" dirty="0" smtClean="0">
+                <a:solidFill>
+                  <a:schemeClr val="accent1">
+                    <a:lumMod val="50000"/>
+                  </a:schemeClr>
+                </a:solidFill>
+              </a:rPr>
+              <a:t>Fale conosco</a:t>
+            </a:r>
+            <a:endParaRPr lang="pt-BR" dirty="0">
+              <a:solidFill>
+                <a:schemeClr val="accent1">
+                  <a:lumMod val="50000"/>
+                </a:schemeClr>
+              </a:solidFill>
+            </a:endParaRPr>
+          </a:p>
+        </p:txBody>
+      </p:sp>
+      <p:sp>
+        <p:nvSpPr>
+          <p:cNvPr id="18" name="Retângulo Arredondado 17"/>
           <p:cNvSpPr/>
           <p:nvPr/>
         </p:nvSpPr>
         <p:spPr>
           <a:xfrm>
-            <a:off x="3679591" y="1661297"/>
+            <a:off x="2387878" y="4194947"/>
             <a:ext cx="719137" cy="242888"/>
           </a:xfrm>
           <a:prstGeom prst="roundRect">
@@ -3457,7 +3535,7 @@
             <a:pPr algn="ctr"/>
             <a:r>
               <a:rPr lang="pt-BR" sz="800" dirty="0" smtClean="0"/>
-              <a:t>Corte a Lazer</a:t>
+              <a:t>Impressora 3D</a:t>
             </a:r>
             <a:endParaRPr lang="pt-BR" sz="800" dirty="0"/>
           </a:p>
@@ -3465,17 +3543,19 @@
       </p:sp>
       <p:sp>
         <p:nvSpPr>
-          <p:cNvPr id="20" name="Retângulo 19"/>
+          <p:cNvPr id="19" name="Retângulo Arredondado 18"/>
           <p:cNvSpPr/>
           <p:nvPr/>
         </p:nvSpPr>
         <p:spPr>
           <a:xfrm>
-            <a:off x="2586131" y="2120900"/>
-            <a:ext cx="1685738" cy="3048000"/>
-          </a:xfrm>
-          <a:prstGeom prst="rect">
-            <a:avLst/>
+            <a:off x="3679591" y="4194947"/>
+            <a:ext cx="719137" cy="242888"/>
+          </a:xfrm>
+          <a:prstGeom prst="roundRect">
+            <a:avLst>
+              <a:gd name="adj" fmla="val 50000"/>
+            </a:avLst>
           </a:prstGeom>
         </p:spPr>
         <p:style>
@@ -3499,19 +3579,23 @@
           <a:lstStyle/>
           <a:p>
             <a:pPr algn="ctr"/>
-            <a:endParaRPr lang="pt-BR"/>
-          </a:p>
-        </p:txBody>
-      </p:sp>
-      <p:sp>
-        <p:nvSpPr>
-          <p:cNvPr id="21" name="Retângulo 20"/>
+            <a:r>
+              <a:rPr lang="pt-BR" sz="800" dirty="0" smtClean="0"/>
+              <a:t>Corte a Lazer</a:t>
+            </a:r>
+            <a:endParaRPr lang="pt-BR" sz="800" dirty="0"/>
+          </a:p>
+        </p:txBody>
+      </p:sp>
+      <p:sp>
+        <p:nvSpPr>
+          <p:cNvPr id="20" name="Retângulo 19"/>
           <p:cNvSpPr/>
           <p:nvPr/>
         </p:nvSpPr>
         <p:spPr>
           <a:xfrm>
-            <a:off x="4597569" y="2120900"/>
+            <a:off x="2586131" y="4654550"/>
             <a:ext cx="1685738" cy="3048000"/>
           </a:xfrm>
           <a:prstGeom prst="rect">
@@ -3543,6 +3627,46 @@
           </a:p>
         </p:txBody>
       </p:sp>
+      <p:sp>
+        <p:nvSpPr>
+          <p:cNvPr id="21" name="Retângulo 20"/>
+          <p:cNvSpPr/>
+          <p:nvPr/>
+        </p:nvSpPr>
+        <p:spPr>
+          <a:xfrm>
+            <a:off x="4597569" y="4654550"/>
+            <a:ext cx="1685738" cy="3048000"/>
+          </a:xfrm>
+          <a:prstGeom prst="rect">
+            <a:avLst/>
+          </a:prstGeom>
+        </p:spPr>
+        <p:style>
+          <a:lnRef idx="2">
+            <a:schemeClr val="accent1">
+              <a:shade val="50000"/>
+            </a:schemeClr>
+          </a:lnRef>
+          <a:fillRef idx="1">
+            <a:schemeClr val="accent1"/>
+          </a:fillRef>
+          <a:effectRef idx="0">
+            <a:schemeClr val="accent1"/>
+          </a:effectRef>
+          <a:fontRef idx="minor">
+            <a:schemeClr val="lt1"/>
+          </a:fontRef>
+        </p:style>
+        <p:txBody>
+          <a:bodyPr rtlCol="0" anchor="ctr"/>
+          <a:lstStyle/>
+          <a:p>
+            <a:pPr algn="ctr"/>
+            <a:endParaRPr lang="pt-BR"/>
+          </a:p>
+        </p:txBody>
+      </p:sp>
       <p:pic>
         <p:nvPicPr>
           <p:cNvPr id="25" name="Imagem 24"/>
@@ -3552,7 +3676,7 @@
           <p:nvPr/>
         </p:nvPicPr>
         <p:blipFill>
-          <a:blip r:embed="rId2" cstate="print">
+          <a:blip r:embed="rId5" cstate="print">
             <a:extLst>
               <a:ext uri="{28A0092B-C50C-407E-A947-70E740481C1C}">
                 <a14:useLocalDpi xmlns:a14="http://schemas.microsoft.com/office/drawing/2010/main" val="0"/>
@@ -3565,7 +3689,7 @@
         </p:blipFill>
         <p:spPr>
           <a:xfrm>
-            <a:off x="637770" y="2213119"/>
+            <a:off x="637770" y="4746769"/>
             <a:ext cx="1487032" cy="1085562"/>
           </a:xfrm>
           <a:prstGeom prst="rect">
@@ -3581,7 +3705,7 @@
         </p:nvSpPr>
         <p:spPr>
           <a:xfrm>
-            <a:off x="913257" y="3390900"/>
+            <a:off x="913257" y="5924550"/>
             <a:ext cx="926023" cy="369332"/>
           </a:xfrm>
           <a:prstGeom prst="rect">
@@ -3611,7 +3735,7 @@
         </p:nvSpPr>
         <p:spPr>
           <a:xfrm>
-            <a:off x="675464" y="3759289"/>
+            <a:off x="675464" y="6292939"/>
             <a:ext cx="1401608" cy="1061829"/>
           </a:xfrm>
           <a:prstGeom prst="rect">
@@ -3796,43 +3920,13 @@
       </p:sp>
       <p:sp>
         <p:nvSpPr>
-          <p:cNvPr id="28" name="CaixaDeTexto 27"/>
-          <p:cNvSpPr txBox="1"/>
-          <p:nvPr/>
-        </p:nvSpPr>
-        <p:spPr>
-          <a:xfrm>
-            <a:off x="2955955" y="669924"/>
-            <a:ext cx="911525" cy="369332"/>
-          </a:xfrm>
-          <a:prstGeom prst="rect">
-            <a:avLst/>
-          </a:prstGeom>
-          <a:noFill/>
-        </p:spPr>
-        <p:txBody>
-          <a:bodyPr wrap="square" rtlCol="0">
-            <a:spAutoFit/>
-          </a:bodyPr>
-          <a:lstStyle/>
-          <a:p>
-            <a:r>
-              <a:rPr lang="pt-BR" dirty="0" err="1" smtClean="0"/>
-              <a:t>Baner</a:t>
-            </a:r>
-            <a:endParaRPr lang="pt-BR" dirty="0"/>
-          </a:p>
-        </p:txBody>
-      </p:sp>
-      <p:sp>
-        <p:nvSpPr>
           <p:cNvPr id="29" name="CaixaDeTexto 28"/>
           <p:cNvSpPr txBox="1"/>
           <p:nvPr/>
         </p:nvSpPr>
         <p:spPr>
           <a:xfrm>
-            <a:off x="974690" y="4802556"/>
+            <a:off x="974690" y="7336206"/>
             <a:ext cx="899605" cy="261610"/>
           </a:xfrm>
           <a:prstGeom prst="rect">
@@ -3863,7 +3957,7 @@
           <p:nvPr/>
         </p:nvPicPr>
         <p:blipFill>
-          <a:blip r:embed="rId2" cstate="print">
+          <a:blip r:embed="rId5" cstate="print">
             <a:extLst>
               <a:ext uri="{28A0092B-C50C-407E-A947-70E740481C1C}">
                 <a14:useLocalDpi xmlns:a14="http://schemas.microsoft.com/office/drawing/2010/main" val="0"/>
@@ -3876,7 +3970,7 @@
         </p:blipFill>
         <p:spPr>
           <a:xfrm>
-            <a:off x="2680468" y="2207698"/>
+            <a:off x="2680468" y="4741348"/>
             <a:ext cx="1487032" cy="1085562"/>
           </a:xfrm>
           <a:prstGeom prst="rect">
@@ -3892,7 +3986,7 @@
         </p:nvSpPr>
         <p:spPr>
           <a:xfrm>
-            <a:off x="2955955" y="3385479"/>
+            <a:off x="2955955" y="5919129"/>
             <a:ext cx="926023" cy="369332"/>
           </a:xfrm>
           <a:prstGeom prst="rect">
@@ -3922,7 +4016,7 @@
         </p:nvSpPr>
         <p:spPr>
           <a:xfrm>
-            <a:off x="2718162" y="3753868"/>
+            <a:off x="2718162" y="6287518"/>
             <a:ext cx="1401608" cy="1061829"/>
           </a:xfrm>
           <a:prstGeom prst="rect">
@@ -4113,7 +4207,7 @@
         </p:nvSpPr>
         <p:spPr>
           <a:xfrm>
-            <a:off x="3017388" y="4797135"/>
+            <a:off x="3017388" y="7330785"/>
             <a:ext cx="899605" cy="261610"/>
           </a:xfrm>
           <a:prstGeom prst="rect">
@@ -4144,7 +4238,7 @@
           <p:nvPr/>
         </p:nvPicPr>
         <p:blipFill>
-          <a:blip r:embed="rId2" cstate="print">
+          <a:blip r:embed="rId5" cstate="print">
             <a:extLst>
               <a:ext uri="{28A0092B-C50C-407E-A947-70E740481C1C}">
                 <a14:useLocalDpi xmlns:a14="http://schemas.microsoft.com/office/drawing/2010/main" val="0"/>
@@ -4157,7 +4251,7 @@
         </p:blipFill>
         <p:spPr>
           <a:xfrm>
-            <a:off x="4684134" y="2228315"/>
+            <a:off x="4684134" y="4761965"/>
             <a:ext cx="1487032" cy="1085562"/>
           </a:xfrm>
           <a:prstGeom prst="rect">
@@ -4173,7 +4267,7 @@
         </p:nvSpPr>
         <p:spPr>
           <a:xfrm>
-            <a:off x="4959621" y="3406096"/>
+            <a:off x="4959621" y="5939746"/>
             <a:ext cx="926023" cy="369332"/>
           </a:xfrm>
           <a:prstGeom prst="rect">
@@ -4203,7 +4297,7 @@
         </p:nvSpPr>
         <p:spPr>
           <a:xfrm>
-            <a:off x="4721828" y="3774485"/>
+            <a:off x="4721828" y="6308135"/>
             <a:ext cx="1401608" cy="1061829"/>
           </a:xfrm>
           <a:prstGeom prst="rect">
@@ -4394,7 +4488,7 @@
         </p:nvSpPr>
         <p:spPr>
           <a:xfrm>
-            <a:off x="5021054" y="4817752"/>
+            <a:off x="5021054" y="7351402"/>
             <a:ext cx="899605" cy="261610"/>
           </a:xfrm>
           <a:prstGeom prst="rect">
@@ -4424,7 +4518,7 @@
         </p:nvSpPr>
         <p:spPr>
           <a:xfrm>
-            <a:off x="2785072" y="6079083"/>
+            <a:off x="2785072" y="8606616"/>
             <a:ext cx="550151" cy="261610"/>
           </a:xfrm>
           <a:prstGeom prst="rect">
@@ -4454,7 +4548,7 @@
         </p:nvSpPr>
         <p:spPr>
           <a:xfrm>
-            <a:off x="3428999" y="6079083"/>
+            <a:off x="3428999" y="8606616"/>
             <a:ext cx="625492" cy="261610"/>
           </a:xfrm>
           <a:prstGeom prst="rect">
@@ -4484,7 +4578,7 @@
         </p:nvSpPr>
         <p:spPr>
           <a:xfrm>
-            <a:off x="2335976" y="6316938"/>
+            <a:off x="2335976" y="8844471"/>
             <a:ext cx="2165978" cy="246221"/>
           </a:xfrm>
           <a:prstGeom prst="rect">
@@ -4515,11 +4609,11 @@
           <p:nvPr/>
         </p:nvPicPr>
         <p:blipFill rotWithShape="1">
-          <a:blip r:embed="rId3">
+          <a:blip r:embed="rId6">
             <a:extLst>
               <a:ext uri="{BEBA8EAE-BF5A-486C-A8C5-ECC9F3942E4B}">
                 <a14:imgProps xmlns:a14="http://schemas.microsoft.com/office/drawing/2010/main">
-                  <a14:imgLayer r:embed="rId4">
+                  <a14:imgLayer r:embed="rId7">
                     <a14:imgEffect>
                       <a14:backgroundRemoval t="61000" b="69889" l="35438" r="63750">
                         <a14:foregroundMark x1="36563" y1="65556" x2="36563" y2="65556"/>
@@ -4547,7 +4641,7 @@
         </p:blipFill>
         <p:spPr>
           <a:xfrm>
-            <a:off x="2574938" y="5758609"/>
+            <a:off x="2574938" y="8286142"/>
             <a:ext cx="1688055" cy="392910"/>
           </a:xfrm>
           <a:prstGeom prst="rect">
@@ -4563,7 +4657,7 @@
         </p:nvSpPr>
         <p:spPr>
           <a:xfrm>
-            <a:off x="2165256" y="6539404"/>
+            <a:off x="2165256" y="9066937"/>
             <a:ext cx="2507418" cy="215444"/>
           </a:xfrm>
           <a:prstGeom prst="rect">
@@ -4597,7 +4691,7 @@
         </p:nvSpPr>
         <p:spPr>
           <a:xfrm>
-            <a:off x="2787206" y="-14024"/>
+            <a:off x="2795468" y="-20486"/>
             <a:ext cx="1121525" cy="369332"/>
           </a:xfrm>
           <a:prstGeom prst="rect">
@@ -4614,16 +4708,172 @@
             <a:r>
               <a:rPr lang="pt-BR" dirty="0" smtClean="0">
                 <a:solidFill>
-                  <a:schemeClr val="bg1"/>
+                  <a:schemeClr val="accent1">
+                    <a:lumMod val="50000"/>
+                  </a:schemeClr>
                 </a:solidFill>
               </a:rPr>
               <a:t>download</a:t>
             </a:r>
             <a:endParaRPr lang="pt-BR" dirty="0">
               <a:solidFill>
-                <a:schemeClr val="bg1"/>
+                <a:schemeClr val="accent1">
+                  <a:lumMod val="50000"/>
+                </a:schemeClr>
               </a:solidFill>
             </a:endParaRPr>
+          </a:p>
+        </p:txBody>
+      </p:sp>
+      <p:sp>
+        <p:nvSpPr>
+          <p:cNvPr id="8" name="Retângulo 7"/>
+          <p:cNvSpPr/>
+          <p:nvPr/>
+        </p:nvSpPr>
+        <p:spPr>
+          <a:xfrm>
+            <a:off x="-1" y="1927810"/>
+            <a:ext cx="6858000" cy="2167940"/>
+          </a:xfrm>
+          <a:prstGeom prst="rect">
+            <a:avLst/>
+          </a:prstGeom>
+        </p:spPr>
+        <p:style>
+          <a:lnRef idx="2">
+            <a:schemeClr val="accent4">
+              <a:shade val="50000"/>
+            </a:schemeClr>
+          </a:lnRef>
+          <a:fillRef idx="1">
+            <a:schemeClr val="accent4"/>
+          </a:fillRef>
+          <a:effectRef idx="0">
+            <a:schemeClr val="accent4"/>
+          </a:effectRef>
+          <a:fontRef idx="minor">
+            <a:schemeClr val="lt1"/>
+          </a:fontRef>
+        </p:style>
+        <p:txBody>
+          <a:bodyPr rtlCol="0" anchor="ctr"/>
+          <a:lstStyle/>
+          <a:p>
+            <a:pPr algn="ctr"/>
+            <a:endParaRPr lang="pt-BR"/>
+          </a:p>
+        </p:txBody>
+      </p:sp>
+      <p:sp>
+        <p:nvSpPr>
+          <p:cNvPr id="9" name="Retângulo 8"/>
+          <p:cNvSpPr/>
+          <p:nvPr/>
+        </p:nvSpPr>
+        <p:spPr>
+          <a:xfrm>
+            <a:off x="1089660" y="2103119"/>
+            <a:ext cx="1590808" cy="1717447"/>
+          </a:xfrm>
+          <a:prstGeom prst="rect">
+            <a:avLst/>
+          </a:prstGeom>
+        </p:spPr>
+        <p:style>
+          <a:lnRef idx="2">
+            <a:schemeClr val="accent1">
+              <a:shade val="50000"/>
+            </a:schemeClr>
+          </a:lnRef>
+          <a:fillRef idx="1">
+            <a:schemeClr val="accent1"/>
+          </a:fillRef>
+          <a:effectRef idx="0">
+            <a:schemeClr val="accent1"/>
+          </a:effectRef>
+          <a:fontRef idx="minor">
+            <a:schemeClr val="lt1"/>
+          </a:fontRef>
+        </p:style>
+        <p:txBody>
+          <a:bodyPr rtlCol="0" anchor="ctr"/>
+          <a:lstStyle/>
+          <a:p>
+            <a:pPr algn="ctr"/>
+            <a:endParaRPr lang="pt-BR"/>
+          </a:p>
+        </p:txBody>
+      </p:sp>
+      <p:sp>
+        <p:nvSpPr>
+          <p:cNvPr id="49" name="Retângulo 48"/>
+          <p:cNvSpPr/>
+          <p:nvPr/>
+        </p:nvSpPr>
+        <p:spPr>
+          <a:xfrm>
+            <a:off x="3679591" y="2092553"/>
+            <a:ext cx="1666213" cy="1717447"/>
+          </a:xfrm>
+          <a:prstGeom prst="rect">
+            <a:avLst/>
+          </a:prstGeom>
+        </p:spPr>
+        <p:style>
+          <a:lnRef idx="2">
+            <a:schemeClr val="accent1">
+              <a:shade val="50000"/>
+            </a:schemeClr>
+          </a:lnRef>
+          <a:fillRef idx="1">
+            <a:schemeClr val="accent1"/>
+          </a:fillRef>
+          <a:effectRef idx="0">
+            <a:schemeClr val="accent1"/>
+          </a:effectRef>
+          <a:fontRef idx="minor">
+            <a:schemeClr val="lt1"/>
+          </a:fontRef>
+        </p:style>
+        <p:txBody>
+          <a:bodyPr rtlCol="0" anchor="ctr"/>
+          <a:lstStyle/>
+          <a:p>
+            <a:pPr algn="ctr"/>
+            <a:endParaRPr lang="pt-BR"/>
+          </a:p>
+        </p:txBody>
+      </p:sp>
+      <p:sp>
+        <p:nvSpPr>
+          <p:cNvPr id="10" name="CaixaDeTexto 9"/>
+          <p:cNvSpPr txBox="1"/>
+          <p:nvPr/>
+        </p:nvSpPr>
+        <p:spPr>
+          <a:xfrm>
+            <a:off x="80053" y="9767436"/>
+            <a:ext cx="6777946" cy="369332"/>
+          </a:xfrm>
+          <a:prstGeom prst="rect">
+            <a:avLst/>
+          </a:prstGeom>
+          <a:noFill/>
+        </p:spPr>
+        <p:txBody>
+          <a:bodyPr wrap="none" rtlCol="0">
+            <a:spAutoFit/>
+          </a:bodyPr>
+          <a:lstStyle/>
+          <a:p>
+            <a:r>
+              <a:rPr lang="pt-BR" dirty="0">
+                <a:hlinkClick r:id="rId8"/>
+              </a:rPr>
+              <a:t>https://www.w3schools.com/w3css/tryw3css_templates_parallax.htm</a:t>
+            </a:r>
+            <a:endParaRPr lang="pt-BR" dirty="0"/>
           </a:p>
         </p:txBody>
       </p:sp>

--- a/wireframe/Projeto-Lab-Senai.pptx
+++ b/wireframe/Projeto-Lab-Senai.pptx
@@ -6,6 +6,10 @@
   </p:sldMasterIdLst>
   <p:sldIdLst>
     <p:sldId id="256" r:id="rId2"/>
+    <p:sldId id="259" r:id="rId3"/>
+    <p:sldId id="257" r:id="rId4"/>
+    <p:sldId id="258" r:id="rId5"/>
+    <p:sldId id="260" r:id="rId6"/>
   </p:sldIdLst>
   <p:sldSz cx="6858000" cy="12192000"/>
   <p:notesSz cx="6858000" cy="9144000"/>
@@ -3089,7 +3093,7 @@
           <a:graphicData uri="http://schemas.openxmlformats.org/presentationml/2006/ole">
             <mc:AlternateContent xmlns:mc="http://schemas.openxmlformats.org/markup-compatibility/2006">
               <mc:Choice xmlns:v="urn:schemas-microsoft-com:vml" Requires="v">
-                <p:oleObj spid="_x0000_s1031" name="Acrobat Document" r:id="rId3" imgW="3295650" imgH="1847545" progId="AcroExch.Document.DC">
+                <p:oleObj spid="_x0000_s1038" name="Acrobat Document" r:id="rId3" imgW="3295650" imgH="1847545" progId="AcroExch.Document.DC">
                   <p:embed/>
                 </p:oleObj>
               </mc:Choice>
@@ -4894,6 +4898,1565 @@
       </p:par>
     </p:tnLst>
   </p:timing>
+</p:sld>
+</file>
+
+<file path=ppt/slides/slide2.xml><?xml version="1.0" encoding="utf-8"?>
+<p:sld xmlns:a="http://schemas.openxmlformats.org/drawingml/2006/main" xmlns:r="http://schemas.openxmlformats.org/officeDocument/2006/relationships" xmlns:p="http://schemas.openxmlformats.org/presentationml/2006/main">
+  <p:cSld>
+    <p:spTree>
+      <p:nvGrpSpPr>
+        <p:cNvPr id="1" name=""/>
+        <p:cNvGrpSpPr/>
+        <p:nvPr/>
+      </p:nvGrpSpPr>
+      <p:grpSpPr>
+        <a:xfrm>
+          <a:off x="0" y="0"/>
+          <a:ext cx="0" cy="0"/>
+          <a:chOff x="0" y="0"/>
+          <a:chExt cx="0" cy="0"/>
+        </a:xfrm>
+      </p:grpSpPr>
+      <p:sp>
+        <p:nvSpPr>
+          <p:cNvPr id="2" name="Título 1"/>
+          <p:cNvSpPr>
+            <a:spLocks noGrp="1"/>
+          </p:cNvSpPr>
+          <p:nvPr>
+            <p:ph type="ctrTitle"/>
+          </p:nvPr>
+        </p:nvSpPr>
+        <p:spPr>
+          <a:xfrm>
+            <a:off x="149289" y="3952568"/>
+            <a:ext cx="6363477" cy="1179417"/>
+          </a:xfrm>
+          <a:solidFill>
+            <a:schemeClr val="bg1"/>
+          </a:solidFill>
+          <a:ln>
+            <a:solidFill>
+              <a:schemeClr val="bg1"/>
+            </a:solidFill>
+          </a:ln>
+        </p:spPr>
+        <p:txBody>
+          <a:bodyPr/>
+          <a:lstStyle/>
+          <a:p>
+            <a:r>
+              <a:rPr lang="pt-BR" dirty="0" smtClean="0"/>
+              <a:t>Download</a:t>
+            </a:r>
+            <a:endParaRPr lang="pt-BR" dirty="0"/>
+          </a:p>
+        </p:txBody>
+      </p:sp>
+      <p:sp>
+        <p:nvSpPr>
+          <p:cNvPr id="3" name="Subtítulo 2"/>
+          <p:cNvSpPr>
+            <a:spLocks noGrp="1"/>
+          </p:cNvSpPr>
+          <p:nvPr>
+            <p:ph type="subTitle" idx="1"/>
+          </p:nvPr>
+        </p:nvSpPr>
+        <p:spPr/>
+        <p:txBody>
+          <a:bodyPr/>
+          <a:lstStyle/>
+          <a:p>
+            <a:pPr algn="l"/>
+            <a:r>
+              <a:rPr lang="pt-BR" dirty="0" smtClean="0"/>
+              <a:t>Nome  do projeto 1:</a:t>
+            </a:r>
+          </a:p>
+          <a:p>
+            <a:pPr marL="285750" indent="-285750" algn="l">
+              <a:buFont typeface="Arial" panose="020B0604020202020204" pitchFamily="34" charset="0"/>
+              <a:buChar char="•"/>
+            </a:pPr>
+            <a:r>
+              <a:rPr lang="pt-BR" dirty="0" smtClean="0"/>
+              <a:t>Link de downloads</a:t>
+            </a:r>
+          </a:p>
+          <a:p>
+            <a:pPr marL="285750" indent="-285750" algn="l">
+              <a:buFont typeface="Arial" panose="020B0604020202020204" pitchFamily="34" charset="0"/>
+              <a:buChar char="•"/>
+            </a:pPr>
+            <a:r>
+              <a:rPr lang="pt-BR" dirty="0" smtClean="0"/>
+              <a:t>Link de downloads</a:t>
+            </a:r>
+          </a:p>
+          <a:p>
+            <a:pPr algn="l"/>
+            <a:endParaRPr lang="pt-BR" dirty="0"/>
+          </a:p>
+          <a:p>
+            <a:pPr algn="l"/>
+            <a:r>
+              <a:rPr lang="pt-BR" dirty="0" smtClean="0"/>
+              <a:t>Nome do projeto 2:</a:t>
+            </a:r>
+          </a:p>
+          <a:p>
+            <a:pPr marL="285750" indent="-285750" algn="l">
+              <a:buFont typeface="Arial" panose="020B0604020202020204" pitchFamily="34" charset="0"/>
+              <a:buChar char="•"/>
+            </a:pPr>
+            <a:r>
+              <a:rPr lang="pt-BR" dirty="0" smtClean="0"/>
+              <a:t>Link de downloads</a:t>
+            </a:r>
+          </a:p>
+          <a:p>
+            <a:pPr marL="285750" indent="-285750" algn="l">
+              <a:buFont typeface="Arial" panose="020B0604020202020204" pitchFamily="34" charset="0"/>
+              <a:buChar char="•"/>
+            </a:pPr>
+            <a:r>
+              <a:rPr lang="pt-BR" dirty="0" smtClean="0"/>
+              <a:t>Links de downloads</a:t>
+            </a:r>
+          </a:p>
+          <a:p>
+            <a:pPr marL="285750" indent="-285750">
+              <a:buFont typeface="Arial" panose="020B0604020202020204" pitchFamily="34" charset="0"/>
+              <a:buChar char="•"/>
+            </a:pPr>
+            <a:endParaRPr lang="pt-BR" dirty="0"/>
+          </a:p>
+        </p:txBody>
+      </p:sp>
+      <p:sp>
+        <p:nvSpPr>
+          <p:cNvPr id="4" name="Retângulo 3"/>
+          <p:cNvSpPr/>
+          <p:nvPr/>
+        </p:nvSpPr>
+        <p:spPr>
+          <a:xfrm>
+            <a:off x="1" y="10618838"/>
+            <a:ext cx="6858000" cy="1573162"/>
+          </a:xfrm>
+          <a:prstGeom prst="rect">
+            <a:avLst/>
+          </a:prstGeom>
+        </p:spPr>
+        <p:style>
+          <a:lnRef idx="2">
+            <a:schemeClr val="accent1">
+              <a:shade val="50000"/>
+            </a:schemeClr>
+          </a:lnRef>
+          <a:fillRef idx="1">
+            <a:schemeClr val="accent1"/>
+          </a:fillRef>
+          <a:effectRef idx="0">
+            <a:schemeClr val="accent1"/>
+          </a:effectRef>
+          <a:fontRef idx="minor">
+            <a:schemeClr val="lt1"/>
+          </a:fontRef>
+        </p:style>
+        <p:txBody>
+          <a:bodyPr rtlCol="0" anchor="ctr"/>
+          <a:lstStyle/>
+          <a:p>
+            <a:pPr algn="ctr"/>
+            <a:r>
+              <a:rPr lang="pt-BR" sz="4000" dirty="0" smtClean="0"/>
+              <a:t>footer</a:t>
+            </a:r>
+            <a:endParaRPr lang="pt-BR" sz="4000" dirty="0"/>
+          </a:p>
+        </p:txBody>
+      </p:sp>
+      <p:sp>
+        <p:nvSpPr>
+          <p:cNvPr id="5" name="Retângulo 4"/>
+          <p:cNvSpPr/>
+          <p:nvPr/>
+        </p:nvSpPr>
+        <p:spPr>
+          <a:xfrm>
+            <a:off x="74643" y="165994"/>
+            <a:ext cx="6587411" cy="1445342"/>
+          </a:xfrm>
+          <a:prstGeom prst="rect">
+            <a:avLst/>
+          </a:prstGeom>
+        </p:spPr>
+        <p:style>
+          <a:lnRef idx="2">
+            <a:schemeClr val="accent1">
+              <a:shade val="50000"/>
+            </a:schemeClr>
+          </a:lnRef>
+          <a:fillRef idx="1">
+            <a:schemeClr val="accent1"/>
+          </a:fillRef>
+          <a:effectRef idx="0">
+            <a:schemeClr val="accent1"/>
+          </a:effectRef>
+          <a:fontRef idx="minor">
+            <a:schemeClr val="lt1"/>
+          </a:fontRef>
+        </p:style>
+        <p:txBody>
+          <a:bodyPr rtlCol="0" anchor="ctr"/>
+          <a:lstStyle/>
+          <a:p>
+            <a:pPr algn="ctr"/>
+            <a:r>
+              <a:rPr lang="pt-BR" dirty="0" smtClean="0"/>
+              <a:t>menu</a:t>
+            </a:r>
+            <a:endParaRPr lang="pt-BR" dirty="0"/>
+          </a:p>
+        </p:txBody>
+      </p:sp>
+      <p:sp>
+        <p:nvSpPr>
+          <p:cNvPr id="6" name="Retângulo 5"/>
+          <p:cNvSpPr/>
+          <p:nvPr/>
+        </p:nvSpPr>
+        <p:spPr>
+          <a:xfrm>
+            <a:off x="149289" y="1886155"/>
+            <a:ext cx="6512766" cy="1445342"/>
+          </a:xfrm>
+          <a:prstGeom prst="rect">
+            <a:avLst/>
+          </a:prstGeom>
+        </p:spPr>
+        <p:style>
+          <a:lnRef idx="2">
+            <a:schemeClr val="accent1">
+              <a:shade val="50000"/>
+            </a:schemeClr>
+          </a:lnRef>
+          <a:fillRef idx="1">
+            <a:schemeClr val="accent1"/>
+          </a:fillRef>
+          <a:effectRef idx="0">
+            <a:schemeClr val="accent1"/>
+          </a:effectRef>
+          <a:fontRef idx="minor">
+            <a:schemeClr val="lt1"/>
+          </a:fontRef>
+        </p:style>
+        <p:txBody>
+          <a:bodyPr rtlCol="0" anchor="ctr"/>
+          <a:lstStyle/>
+          <a:p>
+            <a:pPr algn="ctr"/>
+            <a:r>
+              <a:rPr lang="pt-BR" dirty="0" smtClean="0"/>
+              <a:t>logo</a:t>
+            </a:r>
+            <a:endParaRPr lang="pt-BR" dirty="0"/>
+          </a:p>
+        </p:txBody>
+      </p:sp>
+    </p:spTree>
+    <p:extLst>
+      <p:ext uri="{BB962C8B-B14F-4D97-AF65-F5344CB8AC3E}">
+        <p14:creationId xmlns:p14="http://schemas.microsoft.com/office/powerpoint/2010/main" val="2165544806"/>
+      </p:ext>
+    </p:extLst>
+  </p:cSld>
+  <p:clrMapOvr>
+    <a:masterClrMapping/>
+  </p:clrMapOvr>
+</p:sld>
+</file>
+
+<file path=ppt/slides/slide3.xml><?xml version="1.0" encoding="utf-8"?>
+<p:sld xmlns:a="http://schemas.openxmlformats.org/drawingml/2006/main" xmlns:r="http://schemas.openxmlformats.org/officeDocument/2006/relationships" xmlns:p="http://schemas.openxmlformats.org/presentationml/2006/main">
+  <p:cSld>
+    <p:spTree>
+      <p:nvGrpSpPr>
+        <p:cNvPr id="1" name=""/>
+        <p:cNvGrpSpPr/>
+        <p:nvPr/>
+      </p:nvGrpSpPr>
+      <p:grpSpPr>
+        <a:xfrm>
+          <a:off x="0" y="0"/>
+          <a:ext cx="0" cy="0"/>
+          <a:chOff x="0" y="0"/>
+          <a:chExt cx="0" cy="0"/>
+        </a:xfrm>
+      </p:grpSpPr>
+      <p:sp>
+        <p:nvSpPr>
+          <p:cNvPr id="2" name="Título 1"/>
+          <p:cNvSpPr>
+            <a:spLocks noGrp="1"/>
+          </p:cNvSpPr>
+          <p:nvPr>
+            <p:ph type="ctrTitle"/>
+          </p:nvPr>
+        </p:nvSpPr>
+        <p:spPr>
+          <a:xfrm>
+            <a:off x="0" y="4312261"/>
+            <a:ext cx="6858000" cy="1203882"/>
+          </a:xfrm>
+          <a:solidFill>
+            <a:schemeClr val="accent1">
+              <a:lumMod val="75000"/>
+            </a:schemeClr>
+          </a:solidFill>
+          <a:ln>
+            <a:solidFill>
+              <a:schemeClr val="accent1">
+                <a:lumMod val="75000"/>
+              </a:schemeClr>
+            </a:solidFill>
+          </a:ln>
+        </p:spPr>
+        <p:txBody>
+          <a:bodyPr>
+            <a:normAutofit fontScale="90000"/>
+          </a:bodyPr>
+          <a:lstStyle/>
+          <a:p>
+            <a:pPr algn="l"/>
+            <a:r>
+              <a:rPr lang="pt-BR" dirty="0">
+                <a:solidFill>
+                  <a:schemeClr val="bg1">
+                    <a:lumMod val="95000"/>
+                  </a:schemeClr>
+                </a:solidFill>
+              </a:rPr>
+              <a:t/>
+            </a:r>
+            <a:br>
+              <a:rPr lang="pt-BR" dirty="0">
+                <a:solidFill>
+                  <a:schemeClr val="bg1">
+                    <a:lumMod val="95000"/>
+                  </a:schemeClr>
+                </a:solidFill>
+              </a:rPr>
+            </a:br>
+            <a:r>
+              <a:rPr lang="pt-BR" dirty="0" smtClean="0">
+                <a:solidFill>
+                  <a:schemeClr val="bg1">
+                    <a:lumMod val="95000"/>
+                  </a:schemeClr>
+                </a:solidFill>
+              </a:rPr>
+              <a:t/>
+            </a:r>
+            <a:br>
+              <a:rPr lang="pt-BR" dirty="0" smtClean="0">
+                <a:solidFill>
+                  <a:schemeClr val="bg1">
+                    <a:lumMod val="95000"/>
+                  </a:schemeClr>
+                </a:solidFill>
+              </a:rPr>
+            </a:br>
+            <a:r>
+              <a:rPr lang="pt-BR" dirty="0" smtClean="0">
+                <a:solidFill>
+                  <a:schemeClr val="bg1">
+                    <a:lumMod val="95000"/>
+                  </a:schemeClr>
+                </a:solidFill>
+              </a:rPr>
+              <a:t>                  sobre</a:t>
+            </a:r>
+            <a:br>
+              <a:rPr lang="pt-BR" dirty="0" smtClean="0">
+                <a:solidFill>
+                  <a:schemeClr val="bg1">
+                    <a:lumMod val="95000"/>
+                  </a:schemeClr>
+                </a:solidFill>
+              </a:rPr>
+            </a:br>
+            <a:endParaRPr lang="pt-BR" dirty="0">
+              <a:solidFill>
+                <a:schemeClr val="bg1">
+                  <a:lumMod val="95000"/>
+                </a:schemeClr>
+              </a:solidFill>
+            </a:endParaRPr>
+          </a:p>
+        </p:txBody>
+      </p:sp>
+      <p:sp>
+        <p:nvSpPr>
+          <p:cNvPr id="3" name="Subtítulo 2"/>
+          <p:cNvSpPr>
+            <a:spLocks noGrp="1"/>
+          </p:cNvSpPr>
+          <p:nvPr>
+            <p:ph type="subTitle" idx="1"/>
+          </p:nvPr>
+        </p:nvSpPr>
+        <p:spPr>
+          <a:xfrm>
+            <a:off x="1" y="5406903"/>
+            <a:ext cx="6857999" cy="3283927"/>
+          </a:xfrm>
+        </p:spPr>
+        <p:txBody>
+          <a:bodyPr>
+            <a:noAutofit/>
+          </a:bodyPr>
+          <a:lstStyle/>
+          <a:p>
+            <a:endParaRPr lang="pt-BR" dirty="0" smtClean="0"/>
+          </a:p>
+          <a:p>
+            <a:r>
+              <a:rPr lang="pt-BR" dirty="0" err="1" smtClean="0"/>
+              <a:t>Lorem</a:t>
+            </a:r>
+            <a:r>
+              <a:rPr lang="pt-BR" dirty="0" smtClean="0"/>
+              <a:t> </a:t>
+            </a:r>
+            <a:r>
+              <a:rPr lang="pt-BR" dirty="0"/>
+              <a:t>Ipsum é simplesmente um texto fictício da indústria tipográfica e de impressão. </a:t>
+            </a:r>
+            <a:r>
+              <a:rPr lang="pt-BR" dirty="0" err="1"/>
+              <a:t>Lorem</a:t>
+            </a:r>
+            <a:r>
+              <a:rPr lang="pt-BR" dirty="0"/>
+              <a:t> Ipsum é o texto fictício padrão do setor desde os anos 1500, quando uma impressora desconhecida pegou uma galera do tipo e a mexeu para fazer um livro de amostras do tipo. Ele sobreviveu não apenas cinco séculos, mas também o salto para a composição eletrônica, permanecendo essencialmente inalterado. Foi popularizado na década de 1960 com o lançamento de folhas de </a:t>
+            </a:r>
+            <a:r>
+              <a:rPr lang="pt-BR" dirty="0" err="1"/>
+              <a:t>Letraset</a:t>
+            </a:r>
+            <a:r>
+              <a:rPr lang="pt-BR" dirty="0"/>
+              <a:t> contendo passagens de </a:t>
+            </a:r>
+            <a:r>
+              <a:rPr lang="pt-BR" dirty="0" err="1"/>
+              <a:t>Lorem</a:t>
+            </a:r>
+            <a:r>
+              <a:rPr lang="pt-BR" dirty="0"/>
+              <a:t> Ipsum e, mais recentemente, com software de editoração eletrônica como o </a:t>
+            </a:r>
+            <a:r>
+              <a:rPr lang="pt-BR" dirty="0" err="1"/>
+              <a:t>Aldus</a:t>
+            </a:r>
+            <a:r>
+              <a:rPr lang="pt-BR" dirty="0"/>
+              <a:t> PageMaker, incluindo versões do </a:t>
+            </a:r>
+            <a:r>
+              <a:rPr lang="pt-BR" dirty="0" err="1"/>
+              <a:t>Lorem</a:t>
+            </a:r>
+            <a:r>
+              <a:rPr lang="pt-BR" dirty="0"/>
+              <a:t> Ipsum</a:t>
+            </a:r>
+            <a:r>
+              <a:rPr lang="pt-BR" dirty="0" smtClean="0"/>
+              <a:t>.</a:t>
+            </a:r>
+          </a:p>
+          <a:p>
+            <a:endParaRPr lang="pt-BR" dirty="0"/>
+          </a:p>
+          <a:p>
+            <a:r>
+              <a:rPr lang="pt-BR" sz="2250" b="1" dirty="0"/>
+              <a:t>Equipe</a:t>
+            </a:r>
+          </a:p>
+          <a:p>
+            <a:endParaRPr lang="pt-BR" dirty="0" smtClean="0"/>
+          </a:p>
+          <a:p>
+            <a:endParaRPr lang="pt-BR" dirty="0"/>
+          </a:p>
+          <a:p>
+            <a:endParaRPr lang="pt-BR" dirty="0" smtClean="0"/>
+          </a:p>
+          <a:p>
+            <a:endParaRPr lang="pt-BR" dirty="0" smtClean="0"/>
+          </a:p>
+          <a:p>
+            <a:endParaRPr lang="pt-BR" dirty="0"/>
+          </a:p>
+          <a:p>
+            <a:endParaRPr lang="pt-BR" dirty="0"/>
+          </a:p>
+        </p:txBody>
+      </p:sp>
+      <p:sp>
+        <p:nvSpPr>
+          <p:cNvPr id="5" name="Retângulo 4"/>
+          <p:cNvSpPr/>
+          <p:nvPr/>
+        </p:nvSpPr>
+        <p:spPr>
+          <a:xfrm>
+            <a:off x="-1" y="1668009"/>
+            <a:ext cx="6857999" cy="1314300"/>
+          </a:xfrm>
+          <a:prstGeom prst="rect">
+            <a:avLst/>
+          </a:prstGeom>
+          <a:solidFill>
+            <a:schemeClr val="tx1">
+              <a:lumMod val="75000"/>
+              <a:lumOff val="25000"/>
+            </a:schemeClr>
+          </a:solidFill>
+          <a:ln>
+            <a:solidFill>
+              <a:schemeClr val="bg1"/>
+            </a:solidFill>
+          </a:ln>
+        </p:spPr>
+        <p:style>
+          <a:lnRef idx="2">
+            <a:schemeClr val="accent1">
+              <a:shade val="50000"/>
+            </a:schemeClr>
+          </a:lnRef>
+          <a:fillRef idx="1">
+            <a:schemeClr val="accent1"/>
+          </a:fillRef>
+          <a:effectRef idx="0">
+            <a:schemeClr val="accent1"/>
+          </a:effectRef>
+          <a:fontRef idx="minor">
+            <a:schemeClr val="lt1"/>
+          </a:fontRef>
+        </p:style>
+        <p:txBody>
+          <a:bodyPr rot="0" spcFirstLastPara="0" vertOverflow="overflow" horzOverflow="overflow" vert="horz" wrap="square" lIns="51435" tIns="25718" rIns="51435" bIns="25718" numCol="1" spcCol="0" rtlCol="0" fromWordArt="0" anchor="ctr" anchorCtr="0" forceAA="0" compatLnSpc="1">
+            <a:prstTxWarp prst="textNoShape">
+              <a:avLst/>
+            </a:prstTxWarp>
+            <a:noAutofit/>
+          </a:bodyPr>
+          <a:lstStyle/>
+          <a:p>
+            <a:r>
+              <a:rPr lang="pt-BR" sz="3038" dirty="0" smtClean="0">
+                <a:solidFill>
+                  <a:schemeClr val="bg1">
+                    <a:lumMod val="95000"/>
+                  </a:schemeClr>
+                </a:solidFill>
+              </a:rPr>
+              <a:t>menu</a:t>
+            </a:r>
+            <a:endParaRPr lang="pt-BR" sz="3038" dirty="0"/>
+          </a:p>
+        </p:txBody>
+      </p:sp>
+      <p:sp>
+        <p:nvSpPr>
+          <p:cNvPr id="7" name="Retângulo 6"/>
+          <p:cNvSpPr/>
+          <p:nvPr/>
+        </p:nvSpPr>
+        <p:spPr>
+          <a:xfrm>
+            <a:off x="1" y="8024813"/>
+            <a:ext cx="6857999" cy="666017"/>
+          </a:xfrm>
+          <a:prstGeom prst="rect">
+            <a:avLst/>
+          </a:prstGeom>
+        </p:spPr>
+        <p:style>
+          <a:lnRef idx="2">
+            <a:schemeClr val="accent1">
+              <a:shade val="50000"/>
+            </a:schemeClr>
+          </a:lnRef>
+          <a:fillRef idx="1">
+            <a:schemeClr val="accent1"/>
+          </a:fillRef>
+          <a:effectRef idx="0">
+            <a:schemeClr val="accent1"/>
+          </a:effectRef>
+          <a:fontRef idx="minor">
+            <a:schemeClr val="lt1"/>
+          </a:fontRef>
+        </p:style>
+        <p:txBody>
+          <a:bodyPr rot="0" spcFirstLastPara="0" vertOverflow="overflow" horzOverflow="overflow" vert="horz" wrap="square" lIns="51435" tIns="25718" rIns="51435" bIns="25718" numCol="1" spcCol="0" rtlCol="0" fromWordArt="0" anchor="ctr" anchorCtr="0" forceAA="0" compatLnSpc="1">
+            <a:prstTxWarp prst="textNoShape">
+              <a:avLst/>
+            </a:prstTxWarp>
+            <a:noAutofit/>
+          </a:bodyPr>
+          <a:lstStyle/>
+          <a:p>
+            <a:pPr algn="ctr"/>
+            <a:endParaRPr lang="pt-BR" sz="1013"/>
+          </a:p>
+        </p:txBody>
+      </p:sp>
+      <p:sp>
+        <p:nvSpPr>
+          <p:cNvPr id="8" name="Retângulo 7"/>
+          <p:cNvSpPr/>
+          <p:nvPr/>
+        </p:nvSpPr>
+        <p:spPr>
+          <a:xfrm>
+            <a:off x="0" y="11199500"/>
+            <a:ext cx="6857999" cy="992500"/>
+          </a:xfrm>
+          <a:prstGeom prst="rect">
+            <a:avLst/>
+          </a:prstGeom>
+        </p:spPr>
+        <p:style>
+          <a:lnRef idx="2">
+            <a:schemeClr val="accent1">
+              <a:shade val="50000"/>
+            </a:schemeClr>
+          </a:lnRef>
+          <a:fillRef idx="1">
+            <a:schemeClr val="accent1"/>
+          </a:fillRef>
+          <a:effectRef idx="0">
+            <a:schemeClr val="accent1"/>
+          </a:effectRef>
+          <a:fontRef idx="minor">
+            <a:schemeClr val="lt1"/>
+          </a:fontRef>
+        </p:style>
+        <p:txBody>
+          <a:bodyPr rot="0" spcFirstLastPara="0" vertOverflow="overflow" horzOverflow="overflow" vert="horz" wrap="square" lIns="51435" tIns="25718" rIns="51435" bIns="25718" numCol="1" spcCol="0" rtlCol="0" fromWordArt="0" anchor="ctr" anchorCtr="0" forceAA="0" compatLnSpc="1">
+            <a:prstTxWarp prst="textNoShape">
+              <a:avLst/>
+            </a:prstTxWarp>
+            <a:noAutofit/>
+          </a:bodyPr>
+          <a:lstStyle/>
+          <a:p>
+            <a:pPr algn="ctr"/>
+            <a:r>
+              <a:rPr lang="pt-BR" sz="2025" dirty="0"/>
+              <a:t>footer</a:t>
+            </a:r>
+          </a:p>
+        </p:txBody>
+      </p:sp>
+      <p:pic>
+        <p:nvPicPr>
+          <p:cNvPr id="9" name="Imagem 8"/>
+          <p:cNvPicPr>
+            <a:picLocks noChangeAspect="1"/>
+          </p:cNvPicPr>
+          <p:nvPr/>
+        </p:nvPicPr>
+        <p:blipFill>
+          <a:blip r:embed="rId2" cstate="print">
+            <a:extLst>
+              <a:ext uri="{28A0092B-C50C-407E-A947-70E740481C1C}">
+                <a14:useLocalDpi xmlns:a14="http://schemas.microsoft.com/office/drawing/2010/main" val="0"/>
+              </a:ext>
+            </a:extLst>
+          </a:blip>
+          <a:stretch>
+            <a:fillRect/>
+          </a:stretch>
+        </p:blipFill>
+        <p:spPr>
+          <a:xfrm>
+            <a:off x="1537361" y="9553188"/>
+            <a:ext cx="619353" cy="619353"/>
+          </a:xfrm>
+          <a:prstGeom prst="rect">
+            <a:avLst/>
+          </a:prstGeom>
+        </p:spPr>
+      </p:pic>
+      <p:pic>
+        <p:nvPicPr>
+          <p:cNvPr id="10" name="Imagem 9"/>
+          <p:cNvPicPr>
+            <a:picLocks noChangeAspect="1"/>
+          </p:cNvPicPr>
+          <p:nvPr/>
+        </p:nvPicPr>
+        <p:blipFill>
+          <a:blip r:embed="rId2" cstate="print">
+            <a:extLst>
+              <a:ext uri="{28A0092B-C50C-407E-A947-70E740481C1C}">
+                <a14:useLocalDpi xmlns:a14="http://schemas.microsoft.com/office/drawing/2010/main" val="0"/>
+              </a:ext>
+            </a:extLst>
+          </a:blip>
+          <a:stretch>
+            <a:fillRect/>
+          </a:stretch>
+        </p:blipFill>
+        <p:spPr>
+          <a:xfrm>
+            <a:off x="2579071" y="9617992"/>
+            <a:ext cx="597601" cy="597601"/>
+          </a:xfrm>
+          <a:prstGeom prst="rect">
+            <a:avLst/>
+          </a:prstGeom>
+        </p:spPr>
+      </p:pic>
+      <p:pic>
+        <p:nvPicPr>
+          <p:cNvPr id="11" name="Imagem 10"/>
+          <p:cNvPicPr>
+            <a:picLocks noChangeAspect="1"/>
+          </p:cNvPicPr>
+          <p:nvPr/>
+        </p:nvPicPr>
+        <p:blipFill>
+          <a:blip r:embed="rId2" cstate="print">
+            <a:extLst>
+              <a:ext uri="{28A0092B-C50C-407E-A947-70E740481C1C}">
+                <a14:useLocalDpi xmlns:a14="http://schemas.microsoft.com/office/drawing/2010/main" val="0"/>
+              </a:ext>
+            </a:extLst>
+          </a:blip>
+          <a:stretch>
+            <a:fillRect/>
+          </a:stretch>
+        </p:blipFill>
+        <p:spPr>
+          <a:xfrm>
+            <a:off x="411245" y="9553188"/>
+            <a:ext cx="668374" cy="668374"/>
+          </a:xfrm>
+          <a:prstGeom prst="rect">
+            <a:avLst/>
+          </a:prstGeom>
+        </p:spPr>
+      </p:pic>
+      <p:pic>
+        <p:nvPicPr>
+          <p:cNvPr id="12" name="Imagem 11"/>
+          <p:cNvPicPr>
+            <a:picLocks noChangeAspect="1"/>
+          </p:cNvPicPr>
+          <p:nvPr/>
+        </p:nvPicPr>
+        <p:blipFill>
+          <a:blip r:embed="rId2" cstate="print">
+            <a:extLst>
+              <a:ext uri="{28A0092B-C50C-407E-A947-70E740481C1C}">
+                <a14:useLocalDpi xmlns:a14="http://schemas.microsoft.com/office/drawing/2010/main" val="0"/>
+              </a:ext>
+            </a:extLst>
+          </a:blip>
+          <a:stretch>
+            <a:fillRect/>
+          </a:stretch>
+        </p:blipFill>
+        <p:spPr>
+          <a:xfrm>
+            <a:off x="3599029" y="9543914"/>
+            <a:ext cx="646799" cy="646799"/>
+          </a:xfrm>
+          <a:prstGeom prst="rect">
+            <a:avLst/>
+          </a:prstGeom>
+        </p:spPr>
+      </p:pic>
+      <p:pic>
+        <p:nvPicPr>
+          <p:cNvPr id="13" name="Imagem 12"/>
+          <p:cNvPicPr>
+            <a:picLocks noChangeAspect="1"/>
+          </p:cNvPicPr>
+          <p:nvPr/>
+        </p:nvPicPr>
+        <p:blipFill>
+          <a:blip r:embed="rId2" cstate="print">
+            <a:extLst>
+              <a:ext uri="{28A0092B-C50C-407E-A947-70E740481C1C}">
+                <a14:useLocalDpi xmlns:a14="http://schemas.microsoft.com/office/drawing/2010/main" val="0"/>
+              </a:ext>
+            </a:extLst>
+          </a:blip>
+          <a:stretch>
+            <a:fillRect/>
+          </a:stretch>
+        </p:blipFill>
+        <p:spPr>
+          <a:xfrm>
+            <a:off x="4590673" y="9365304"/>
+            <a:ext cx="807237" cy="807237"/>
+          </a:xfrm>
+          <a:prstGeom prst="rect">
+            <a:avLst/>
+          </a:prstGeom>
+        </p:spPr>
+      </p:pic>
+      <p:pic>
+        <p:nvPicPr>
+          <p:cNvPr id="14" name="Imagem 13"/>
+          <p:cNvPicPr>
+            <a:picLocks noChangeAspect="1"/>
+          </p:cNvPicPr>
+          <p:nvPr/>
+        </p:nvPicPr>
+        <p:blipFill>
+          <a:blip r:embed="rId2" cstate="print">
+            <a:extLst>
+              <a:ext uri="{28A0092B-C50C-407E-A947-70E740481C1C}">
+                <a14:useLocalDpi xmlns:a14="http://schemas.microsoft.com/office/drawing/2010/main" val="0"/>
+              </a:ext>
+            </a:extLst>
+          </a:blip>
+          <a:stretch>
+            <a:fillRect/>
+          </a:stretch>
+        </p:blipFill>
+        <p:spPr>
+          <a:xfrm>
+            <a:off x="5721646" y="9442541"/>
+            <a:ext cx="748171" cy="748171"/>
+          </a:xfrm>
+          <a:prstGeom prst="rect">
+            <a:avLst/>
+          </a:prstGeom>
+        </p:spPr>
+      </p:pic>
+      <p:sp>
+        <p:nvSpPr>
+          <p:cNvPr id="15" name="Retângulo 14"/>
+          <p:cNvSpPr/>
+          <p:nvPr/>
+        </p:nvSpPr>
+        <p:spPr>
+          <a:xfrm>
+            <a:off x="1" y="77566"/>
+            <a:ext cx="6857999" cy="1314300"/>
+          </a:xfrm>
+          <a:prstGeom prst="rect">
+            <a:avLst/>
+          </a:prstGeom>
+          <a:solidFill>
+            <a:schemeClr val="tx1">
+              <a:lumMod val="75000"/>
+              <a:lumOff val="25000"/>
+            </a:schemeClr>
+          </a:solidFill>
+          <a:ln>
+            <a:solidFill>
+              <a:schemeClr val="bg1"/>
+            </a:solidFill>
+          </a:ln>
+        </p:spPr>
+        <p:style>
+          <a:lnRef idx="2">
+            <a:schemeClr val="accent1">
+              <a:shade val="50000"/>
+            </a:schemeClr>
+          </a:lnRef>
+          <a:fillRef idx="1">
+            <a:schemeClr val="accent1"/>
+          </a:fillRef>
+          <a:effectRef idx="0">
+            <a:schemeClr val="accent1"/>
+          </a:effectRef>
+          <a:fontRef idx="minor">
+            <a:schemeClr val="lt1"/>
+          </a:fontRef>
+        </p:style>
+        <p:txBody>
+          <a:bodyPr rot="0" spcFirstLastPara="0" vertOverflow="overflow" horzOverflow="overflow" vert="horz" wrap="square" lIns="51435" tIns="25718" rIns="51435" bIns="25718" numCol="1" spcCol="0" rtlCol="0" fromWordArt="0" anchor="ctr" anchorCtr="0" forceAA="0" compatLnSpc="1">
+            <a:prstTxWarp prst="textNoShape">
+              <a:avLst/>
+            </a:prstTxWarp>
+            <a:noAutofit/>
+          </a:bodyPr>
+          <a:lstStyle/>
+          <a:p>
+            <a:r>
+              <a:rPr lang="pt-BR" sz="3038" dirty="0">
+                <a:solidFill>
+                  <a:schemeClr val="bg1">
+                    <a:lumMod val="95000"/>
+                  </a:schemeClr>
+                </a:solidFill>
+              </a:rPr>
+              <a:t>logo</a:t>
+            </a:r>
+            <a:endParaRPr lang="pt-BR" sz="3038" dirty="0"/>
+          </a:p>
+        </p:txBody>
+      </p:sp>
+    </p:spTree>
+    <p:extLst>
+      <p:ext uri="{BB962C8B-B14F-4D97-AF65-F5344CB8AC3E}">
+        <p14:creationId xmlns:p14="http://schemas.microsoft.com/office/powerpoint/2010/main" val="37323005"/>
+      </p:ext>
+    </p:extLst>
+  </p:cSld>
+  <p:clrMapOvr>
+    <a:masterClrMapping/>
+  </p:clrMapOvr>
+  <p:timing>
+    <p:tnLst>
+      <p:par>
+        <p:cTn id="1" dur="indefinite" restart="never" nodeType="tmRoot"/>
+      </p:par>
+    </p:tnLst>
+  </p:timing>
+</p:sld>
+</file>
+
+<file path=ppt/slides/slide4.xml><?xml version="1.0" encoding="utf-8"?>
+<p:sld xmlns:a="http://schemas.openxmlformats.org/drawingml/2006/main" xmlns:r="http://schemas.openxmlformats.org/officeDocument/2006/relationships" xmlns:p="http://schemas.openxmlformats.org/presentationml/2006/main">
+  <p:cSld>
+    <p:spTree>
+      <p:nvGrpSpPr>
+        <p:cNvPr id="1" name=""/>
+        <p:cNvGrpSpPr/>
+        <p:nvPr/>
+      </p:nvGrpSpPr>
+      <p:grpSpPr>
+        <a:xfrm>
+          <a:off x="0" y="0"/>
+          <a:ext cx="0" cy="0"/>
+          <a:chOff x="0" y="0"/>
+          <a:chExt cx="0" cy="0"/>
+        </a:xfrm>
+      </p:grpSpPr>
+      <p:sp>
+        <p:nvSpPr>
+          <p:cNvPr id="2" name="Título 1"/>
+          <p:cNvSpPr>
+            <a:spLocks noGrp="1"/>
+          </p:cNvSpPr>
+          <p:nvPr>
+            <p:ph type="ctrTitle"/>
+          </p:nvPr>
+        </p:nvSpPr>
+        <p:spPr>
+          <a:xfrm>
+            <a:off x="329712" y="2632526"/>
+            <a:ext cx="5961184" cy="987752"/>
+          </a:xfrm>
+        </p:spPr>
+        <p:txBody>
+          <a:bodyPr>
+            <a:normAutofit/>
+          </a:bodyPr>
+          <a:lstStyle/>
+          <a:p>
+            <a:r>
+              <a:rPr lang="pt-BR" dirty="0" smtClean="0"/>
+              <a:t>Contato</a:t>
+            </a:r>
+            <a:endParaRPr lang="pt-BR" dirty="0"/>
+          </a:p>
+        </p:txBody>
+      </p:sp>
+      <p:sp>
+        <p:nvSpPr>
+          <p:cNvPr id="3" name="Subtítulo 2"/>
+          <p:cNvSpPr>
+            <a:spLocks noGrp="1"/>
+          </p:cNvSpPr>
+          <p:nvPr>
+            <p:ph type="subTitle" idx="1"/>
+          </p:nvPr>
+        </p:nvSpPr>
+        <p:spPr>
+          <a:xfrm>
+            <a:off x="857250" y="6403624"/>
+            <a:ext cx="5143500" cy="1956606"/>
+          </a:xfrm>
+        </p:spPr>
+        <p:txBody>
+          <a:bodyPr/>
+          <a:lstStyle/>
+          <a:p>
+            <a:pPr algn="l"/>
+            <a:r>
+              <a:rPr lang="pt-BR" dirty="0" smtClean="0"/>
+              <a:t>Nome:</a:t>
+            </a:r>
+          </a:p>
+          <a:p>
+            <a:pPr algn="l"/>
+            <a:r>
+              <a:rPr lang="pt-BR" dirty="0" smtClean="0"/>
+              <a:t>Telefone:</a:t>
+            </a:r>
+          </a:p>
+          <a:p>
+            <a:pPr algn="l"/>
+            <a:r>
+              <a:rPr lang="pt-BR" dirty="0" smtClean="0"/>
+              <a:t>E-mail:</a:t>
+            </a:r>
+          </a:p>
+          <a:p>
+            <a:pPr algn="l"/>
+            <a:endParaRPr lang="pt-BR" dirty="0" smtClean="0"/>
+          </a:p>
+          <a:p>
+            <a:pPr algn="l"/>
+            <a:r>
+              <a:rPr lang="pt-BR" dirty="0" smtClean="0"/>
+              <a:t>Enviar Mensagem</a:t>
+            </a:r>
+          </a:p>
+          <a:p>
+            <a:pPr algn="l"/>
+            <a:endParaRPr lang="pt-BR" dirty="0" smtClean="0"/>
+          </a:p>
+          <a:p>
+            <a:pPr algn="l"/>
+            <a:endParaRPr lang="pt-BR" dirty="0"/>
+          </a:p>
+        </p:txBody>
+      </p:sp>
+      <p:sp>
+        <p:nvSpPr>
+          <p:cNvPr id="4" name="Retângulo 3"/>
+          <p:cNvSpPr/>
+          <p:nvPr/>
+        </p:nvSpPr>
+        <p:spPr>
+          <a:xfrm>
+            <a:off x="329712" y="352499"/>
+            <a:ext cx="5961184" cy="804497"/>
+          </a:xfrm>
+          <a:prstGeom prst="rect">
+            <a:avLst/>
+          </a:prstGeom>
+          <a:solidFill>
+            <a:schemeClr val="accent1">
+              <a:lumMod val="75000"/>
+            </a:schemeClr>
+          </a:solidFill>
+        </p:spPr>
+        <p:style>
+          <a:lnRef idx="2">
+            <a:schemeClr val="accent1">
+              <a:shade val="50000"/>
+            </a:schemeClr>
+          </a:lnRef>
+          <a:fillRef idx="1">
+            <a:schemeClr val="accent1"/>
+          </a:fillRef>
+          <a:effectRef idx="0">
+            <a:schemeClr val="accent1"/>
+          </a:effectRef>
+          <a:fontRef idx="minor">
+            <a:schemeClr val="lt1"/>
+          </a:fontRef>
+        </p:style>
+        <p:txBody>
+          <a:bodyPr rot="0" spcFirstLastPara="0" vertOverflow="overflow" horzOverflow="overflow" vert="horz" wrap="square" lIns="51435" tIns="25718" rIns="51435" bIns="25718" numCol="1" spcCol="0" rtlCol="0" fromWordArt="0" anchor="ctr" anchorCtr="0" forceAA="0" compatLnSpc="1">
+            <a:prstTxWarp prst="textNoShape">
+              <a:avLst/>
+            </a:prstTxWarp>
+            <a:noAutofit/>
+          </a:bodyPr>
+          <a:lstStyle/>
+          <a:p>
+            <a:pPr algn="ctr"/>
+            <a:r>
+              <a:rPr lang="pt-BR" sz="3200" dirty="0" smtClean="0"/>
+              <a:t>Logo</a:t>
+            </a:r>
+            <a:endParaRPr lang="pt-BR" sz="3200" dirty="0"/>
+          </a:p>
+        </p:txBody>
+      </p:sp>
+      <p:sp>
+        <p:nvSpPr>
+          <p:cNvPr id="5" name="Retângulo 4"/>
+          <p:cNvSpPr/>
+          <p:nvPr/>
+        </p:nvSpPr>
+        <p:spPr>
+          <a:xfrm>
+            <a:off x="329712" y="1612779"/>
+            <a:ext cx="5961184" cy="804497"/>
+          </a:xfrm>
+          <a:prstGeom prst="rect">
+            <a:avLst/>
+          </a:prstGeom>
+          <a:solidFill>
+            <a:schemeClr val="accent1">
+              <a:lumMod val="75000"/>
+            </a:schemeClr>
+          </a:solidFill>
+        </p:spPr>
+        <p:style>
+          <a:lnRef idx="2">
+            <a:schemeClr val="accent1">
+              <a:shade val="50000"/>
+            </a:schemeClr>
+          </a:lnRef>
+          <a:fillRef idx="1">
+            <a:schemeClr val="accent1"/>
+          </a:fillRef>
+          <a:effectRef idx="0">
+            <a:schemeClr val="accent1"/>
+          </a:effectRef>
+          <a:fontRef idx="minor">
+            <a:schemeClr val="lt1"/>
+          </a:fontRef>
+        </p:style>
+        <p:txBody>
+          <a:bodyPr rot="0" spcFirstLastPara="0" vertOverflow="overflow" horzOverflow="overflow" vert="horz" wrap="square" lIns="51435" tIns="25718" rIns="51435" bIns="25718" numCol="1" spcCol="0" rtlCol="0" fromWordArt="0" anchor="ctr" anchorCtr="0" forceAA="0" compatLnSpc="1">
+            <a:prstTxWarp prst="textNoShape">
+              <a:avLst/>
+            </a:prstTxWarp>
+            <a:noAutofit/>
+          </a:bodyPr>
+          <a:lstStyle/>
+          <a:p>
+            <a:pPr algn="ctr"/>
+            <a:r>
+              <a:rPr lang="pt-BR" sz="3200" dirty="0" smtClean="0"/>
+              <a:t>Logo</a:t>
+            </a:r>
+            <a:endParaRPr lang="pt-BR" sz="3200" dirty="0"/>
+          </a:p>
+        </p:txBody>
+      </p:sp>
+      <p:sp>
+        <p:nvSpPr>
+          <p:cNvPr id="6" name="Retângulo 5"/>
+          <p:cNvSpPr/>
+          <p:nvPr/>
+        </p:nvSpPr>
+        <p:spPr>
+          <a:xfrm>
+            <a:off x="0" y="11331714"/>
+            <a:ext cx="6858000" cy="860286"/>
+          </a:xfrm>
+          <a:prstGeom prst="rect">
+            <a:avLst/>
+          </a:prstGeom>
+          <a:solidFill>
+            <a:schemeClr val="accent1">
+              <a:lumMod val="75000"/>
+            </a:schemeClr>
+          </a:solidFill>
+        </p:spPr>
+        <p:style>
+          <a:lnRef idx="2">
+            <a:schemeClr val="accent1">
+              <a:shade val="50000"/>
+            </a:schemeClr>
+          </a:lnRef>
+          <a:fillRef idx="1">
+            <a:schemeClr val="accent1"/>
+          </a:fillRef>
+          <a:effectRef idx="0">
+            <a:schemeClr val="accent1"/>
+          </a:effectRef>
+          <a:fontRef idx="minor">
+            <a:schemeClr val="lt1"/>
+          </a:fontRef>
+        </p:style>
+        <p:txBody>
+          <a:bodyPr rot="0" spcFirstLastPara="0" vertOverflow="overflow" horzOverflow="overflow" vert="horz" wrap="square" lIns="51435" tIns="25718" rIns="51435" bIns="25718" numCol="1" spcCol="0" rtlCol="0" fromWordArt="0" anchor="ctr" anchorCtr="0" forceAA="0" compatLnSpc="1">
+            <a:prstTxWarp prst="textNoShape">
+              <a:avLst/>
+            </a:prstTxWarp>
+            <a:noAutofit/>
+          </a:bodyPr>
+          <a:lstStyle/>
+          <a:p>
+            <a:pPr algn="ctr"/>
+            <a:r>
+              <a:rPr lang="pt-BR" sz="3200" dirty="0" smtClean="0"/>
+              <a:t>Footer</a:t>
+            </a:r>
+          </a:p>
+          <a:p>
+            <a:pPr algn="ctr"/>
+            <a:endParaRPr lang="pt-BR" sz="3200" dirty="0"/>
+          </a:p>
+        </p:txBody>
+      </p:sp>
+      <p:sp>
+        <p:nvSpPr>
+          <p:cNvPr id="7" name="Retângulo 6"/>
+          <p:cNvSpPr/>
+          <p:nvPr/>
+        </p:nvSpPr>
+        <p:spPr>
+          <a:xfrm>
+            <a:off x="857250" y="8063935"/>
+            <a:ext cx="1979256" cy="804497"/>
+          </a:xfrm>
+          <a:prstGeom prst="rect">
+            <a:avLst/>
+          </a:prstGeom>
+          <a:solidFill>
+            <a:schemeClr val="accent1">
+              <a:lumMod val="75000"/>
+            </a:schemeClr>
+          </a:solidFill>
+        </p:spPr>
+        <p:style>
+          <a:lnRef idx="2">
+            <a:schemeClr val="accent1">
+              <a:shade val="50000"/>
+            </a:schemeClr>
+          </a:lnRef>
+          <a:fillRef idx="1">
+            <a:schemeClr val="accent1"/>
+          </a:fillRef>
+          <a:effectRef idx="0">
+            <a:schemeClr val="accent1"/>
+          </a:effectRef>
+          <a:fontRef idx="minor">
+            <a:schemeClr val="lt1"/>
+          </a:fontRef>
+        </p:style>
+        <p:txBody>
+          <a:bodyPr rot="0" spcFirstLastPara="0" vertOverflow="overflow" horzOverflow="overflow" vert="horz" wrap="square" lIns="51435" tIns="25718" rIns="51435" bIns="25718" numCol="1" spcCol="0" rtlCol="0" fromWordArt="0" anchor="ctr" anchorCtr="0" forceAA="0" compatLnSpc="1">
+            <a:prstTxWarp prst="textNoShape">
+              <a:avLst/>
+            </a:prstTxWarp>
+            <a:noAutofit/>
+          </a:bodyPr>
+          <a:lstStyle/>
+          <a:p>
+            <a:pPr algn="ctr"/>
+            <a:endParaRPr lang="pt-BR" sz="3200" dirty="0"/>
+          </a:p>
+        </p:txBody>
+      </p:sp>
+      <p:sp>
+        <p:nvSpPr>
+          <p:cNvPr id="8" name="Retângulo 7"/>
+          <p:cNvSpPr/>
+          <p:nvPr/>
+        </p:nvSpPr>
+        <p:spPr>
+          <a:xfrm>
+            <a:off x="857250" y="9069354"/>
+            <a:ext cx="1156996" cy="596624"/>
+          </a:xfrm>
+          <a:prstGeom prst="rect">
+            <a:avLst/>
+          </a:prstGeom>
+          <a:solidFill>
+            <a:schemeClr val="accent1">
+              <a:lumMod val="75000"/>
+            </a:schemeClr>
+          </a:solidFill>
+        </p:spPr>
+        <p:style>
+          <a:lnRef idx="2">
+            <a:schemeClr val="accent1">
+              <a:shade val="50000"/>
+            </a:schemeClr>
+          </a:lnRef>
+          <a:fillRef idx="1">
+            <a:schemeClr val="accent1"/>
+          </a:fillRef>
+          <a:effectRef idx="0">
+            <a:schemeClr val="accent1"/>
+          </a:effectRef>
+          <a:fontRef idx="minor">
+            <a:schemeClr val="lt1"/>
+          </a:fontRef>
+        </p:style>
+        <p:txBody>
+          <a:bodyPr rot="0" spcFirstLastPara="0" vertOverflow="overflow" horzOverflow="overflow" vert="horz" wrap="square" lIns="51435" tIns="25718" rIns="51435" bIns="25718" numCol="1" spcCol="0" rtlCol="0" fromWordArt="0" anchor="ctr" anchorCtr="0" forceAA="0" compatLnSpc="1">
+            <a:prstTxWarp prst="textNoShape">
+              <a:avLst/>
+            </a:prstTxWarp>
+            <a:noAutofit/>
+          </a:bodyPr>
+          <a:lstStyle/>
+          <a:p>
+            <a:pPr algn="ctr"/>
+            <a:r>
+              <a:rPr lang="pt-BR" sz="3200" dirty="0" smtClean="0"/>
+              <a:t>enviar</a:t>
+            </a:r>
+            <a:endParaRPr lang="pt-BR" sz="3200" dirty="0"/>
+          </a:p>
+        </p:txBody>
+      </p:sp>
+    </p:spTree>
+    <p:extLst>
+      <p:ext uri="{BB962C8B-B14F-4D97-AF65-F5344CB8AC3E}">
+        <p14:creationId xmlns:p14="http://schemas.microsoft.com/office/powerpoint/2010/main" val="997834688"/>
+      </p:ext>
+    </p:extLst>
+  </p:cSld>
+  <p:clrMapOvr>
+    <a:masterClrMapping/>
+  </p:clrMapOvr>
+  <p:timing>
+    <p:tnLst>
+      <p:par>
+        <p:cTn id="1" dur="indefinite" restart="never" nodeType="tmRoot"/>
+      </p:par>
+    </p:tnLst>
+  </p:timing>
+</p:sld>
+</file>
+
+<file path=ppt/slides/slide5.xml><?xml version="1.0" encoding="utf-8"?>
+<p:sld xmlns:a="http://schemas.openxmlformats.org/drawingml/2006/main" xmlns:r="http://schemas.openxmlformats.org/officeDocument/2006/relationships" xmlns:p="http://schemas.openxmlformats.org/presentationml/2006/main">
+  <p:cSld>
+    <p:spTree>
+      <p:nvGrpSpPr>
+        <p:cNvPr id="1" name=""/>
+        <p:cNvGrpSpPr/>
+        <p:nvPr/>
+      </p:nvGrpSpPr>
+      <p:grpSpPr>
+        <a:xfrm>
+          <a:off x="0" y="0"/>
+          <a:ext cx="0" cy="0"/>
+          <a:chOff x="0" y="0"/>
+          <a:chExt cx="0" cy="0"/>
+        </a:xfrm>
+      </p:grpSpPr>
+      <p:sp>
+        <p:nvSpPr>
+          <p:cNvPr id="2" name="Título 1"/>
+          <p:cNvSpPr>
+            <a:spLocks noGrp="1"/>
+          </p:cNvSpPr>
+          <p:nvPr>
+            <p:ph type="title"/>
+          </p:nvPr>
+        </p:nvSpPr>
+        <p:spPr>
+          <a:xfrm>
+            <a:off x="471488" y="3834581"/>
+            <a:ext cx="5915025" cy="1297858"/>
+          </a:xfrm>
+        </p:spPr>
+        <p:txBody>
+          <a:bodyPr/>
+          <a:lstStyle/>
+          <a:p>
+            <a:pPr algn="ctr"/>
+            <a:r>
+              <a:rPr lang="pt-BR" dirty="0" smtClean="0"/>
+              <a:t>Projeto</a:t>
+            </a:r>
+            <a:br>
+              <a:rPr lang="pt-BR" dirty="0" smtClean="0"/>
+            </a:br>
+            <a:endParaRPr lang="pt-BR" dirty="0"/>
+          </a:p>
+        </p:txBody>
+      </p:sp>
+      <p:sp>
+        <p:nvSpPr>
+          <p:cNvPr id="3" name="Espaço Reservado para Conteúdo 2"/>
+          <p:cNvSpPr>
+            <a:spLocks noGrp="1"/>
+          </p:cNvSpPr>
+          <p:nvPr>
+            <p:ph idx="1"/>
+          </p:nvPr>
+        </p:nvSpPr>
+        <p:spPr>
+          <a:xfrm>
+            <a:off x="471488" y="6636775"/>
+            <a:ext cx="5915025" cy="2035278"/>
+          </a:xfrm>
+        </p:spPr>
+        <p:txBody>
+          <a:bodyPr>
+            <a:normAutofit/>
+          </a:bodyPr>
+          <a:lstStyle/>
+          <a:p>
+            <a:r>
+              <a:rPr lang="pt-BR" sz="2800" dirty="0" smtClean="0"/>
+              <a:t>Impressora 3D</a:t>
+            </a:r>
+          </a:p>
+          <a:p>
+            <a:r>
+              <a:rPr lang="pt-BR" sz="2800" dirty="0" smtClean="0"/>
+              <a:t>Maquina Laser</a:t>
+            </a:r>
+            <a:endParaRPr lang="pt-BR" sz="2800" dirty="0"/>
+          </a:p>
+        </p:txBody>
+      </p:sp>
+      <p:sp>
+        <p:nvSpPr>
+          <p:cNvPr id="4" name="Retângulo 3"/>
+          <p:cNvSpPr/>
+          <p:nvPr/>
+        </p:nvSpPr>
+        <p:spPr>
+          <a:xfrm>
+            <a:off x="471488" y="589934"/>
+            <a:ext cx="6135789" cy="1327356"/>
+          </a:xfrm>
+          <a:prstGeom prst="rect">
+            <a:avLst/>
+          </a:prstGeom>
+        </p:spPr>
+        <p:style>
+          <a:lnRef idx="2">
+            <a:schemeClr val="accent1">
+              <a:shade val="50000"/>
+            </a:schemeClr>
+          </a:lnRef>
+          <a:fillRef idx="1">
+            <a:schemeClr val="accent1"/>
+          </a:fillRef>
+          <a:effectRef idx="0">
+            <a:schemeClr val="accent1"/>
+          </a:effectRef>
+          <a:fontRef idx="minor">
+            <a:schemeClr val="lt1"/>
+          </a:fontRef>
+        </p:style>
+        <p:txBody>
+          <a:bodyPr rtlCol="0" anchor="ctr"/>
+          <a:lstStyle/>
+          <a:p>
+            <a:pPr algn="ctr"/>
+            <a:r>
+              <a:rPr lang="pt-BR" dirty="0" smtClean="0"/>
+              <a:t>menu</a:t>
+            </a:r>
+            <a:endParaRPr lang="pt-BR" dirty="0"/>
+          </a:p>
+        </p:txBody>
+      </p:sp>
+      <p:sp>
+        <p:nvSpPr>
+          <p:cNvPr id="5" name="Retângulo 4"/>
+          <p:cNvSpPr/>
+          <p:nvPr/>
+        </p:nvSpPr>
+        <p:spPr>
+          <a:xfrm>
+            <a:off x="471488" y="2212257"/>
+            <a:ext cx="6135789" cy="1327356"/>
+          </a:xfrm>
+          <a:prstGeom prst="rect">
+            <a:avLst/>
+          </a:prstGeom>
+        </p:spPr>
+        <p:style>
+          <a:lnRef idx="2">
+            <a:schemeClr val="accent1">
+              <a:shade val="50000"/>
+            </a:schemeClr>
+          </a:lnRef>
+          <a:fillRef idx="1">
+            <a:schemeClr val="accent1"/>
+          </a:fillRef>
+          <a:effectRef idx="0">
+            <a:schemeClr val="accent1"/>
+          </a:effectRef>
+          <a:fontRef idx="minor">
+            <a:schemeClr val="lt1"/>
+          </a:fontRef>
+        </p:style>
+        <p:txBody>
+          <a:bodyPr rtlCol="0" anchor="ctr"/>
+          <a:lstStyle/>
+          <a:p>
+            <a:pPr algn="ctr"/>
+            <a:r>
+              <a:rPr lang="pt-BR" dirty="0" smtClean="0"/>
+              <a:t>logo</a:t>
+            </a:r>
+            <a:endParaRPr lang="pt-BR" dirty="0"/>
+          </a:p>
+        </p:txBody>
+      </p:sp>
+      <p:sp>
+        <p:nvSpPr>
+          <p:cNvPr id="6" name="Retângulo 5"/>
+          <p:cNvSpPr/>
+          <p:nvPr/>
+        </p:nvSpPr>
+        <p:spPr>
+          <a:xfrm>
+            <a:off x="0" y="10761404"/>
+            <a:ext cx="6858001" cy="1327356"/>
+          </a:xfrm>
+          <a:prstGeom prst="rect">
+            <a:avLst/>
+          </a:prstGeom>
+        </p:spPr>
+        <p:style>
+          <a:lnRef idx="2">
+            <a:schemeClr val="accent1">
+              <a:shade val="50000"/>
+            </a:schemeClr>
+          </a:lnRef>
+          <a:fillRef idx="1">
+            <a:schemeClr val="accent1"/>
+          </a:fillRef>
+          <a:effectRef idx="0">
+            <a:schemeClr val="accent1"/>
+          </a:effectRef>
+          <a:fontRef idx="minor">
+            <a:schemeClr val="lt1"/>
+          </a:fontRef>
+        </p:style>
+        <p:txBody>
+          <a:bodyPr rtlCol="0" anchor="ctr"/>
+          <a:lstStyle/>
+          <a:p>
+            <a:pPr algn="ctr"/>
+            <a:r>
+              <a:rPr lang="pt-BR" sz="3200" dirty="0" smtClean="0"/>
+              <a:t>footer</a:t>
+            </a:r>
+            <a:endParaRPr lang="pt-BR" sz="3200" dirty="0"/>
+          </a:p>
+        </p:txBody>
+      </p:sp>
+    </p:spTree>
+    <p:extLst>
+      <p:ext uri="{BB962C8B-B14F-4D97-AF65-F5344CB8AC3E}">
+        <p14:creationId xmlns:p14="http://schemas.microsoft.com/office/powerpoint/2010/main" val="1559037078"/>
+      </p:ext>
+    </p:extLst>
+  </p:cSld>
+  <p:clrMapOvr>
+    <a:masterClrMapping/>
+  </p:clrMapOvr>
 </p:sld>
 </file>
 

--- a/wireframe/Projeto-Lab-Senai.pptx
+++ b/wireframe/Projeto-Lab-Senai.pptx
@@ -247,7 +247,7 @@
           <a:p>
             <a:fld id="{8F2667C3-B334-4B1C-BDBA-D4E814E22DE9}" type="datetimeFigureOut">
               <a:rPr lang="pt-BR" smtClean="0"/>
-              <a:t>11/09/2019</a:t>
+              <a:t>16/09/2019</a:t>
             </a:fld>
             <a:endParaRPr lang="pt-BR"/>
           </a:p>
@@ -417,7 +417,7 @@
           <a:p>
             <a:fld id="{8F2667C3-B334-4B1C-BDBA-D4E814E22DE9}" type="datetimeFigureOut">
               <a:rPr lang="pt-BR" smtClean="0"/>
-              <a:t>11/09/2019</a:t>
+              <a:t>16/09/2019</a:t>
             </a:fld>
             <a:endParaRPr lang="pt-BR"/>
           </a:p>
@@ -597,7 +597,7 @@
           <a:p>
             <a:fld id="{8F2667C3-B334-4B1C-BDBA-D4E814E22DE9}" type="datetimeFigureOut">
               <a:rPr lang="pt-BR" smtClean="0"/>
-              <a:t>11/09/2019</a:t>
+              <a:t>16/09/2019</a:t>
             </a:fld>
             <a:endParaRPr lang="pt-BR"/>
           </a:p>
@@ -767,7 +767,7 @@
           <a:p>
             <a:fld id="{8F2667C3-B334-4B1C-BDBA-D4E814E22DE9}" type="datetimeFigureOut">
               <a:rPr lang="pt-BR" smtClean="0"/>
-              <a:t>11/09/2019</a:t>
+              <a:t>16/09/2019</a:t>
             </a:fld>
             <a:endParaRPr lang="pt-BR"/>
           </a:p>
@@ -1011,7 +1011,7 @@
           <a:p>
             <a:fld id="{8F2667C3-B334-4B1C-BDBA-D4E814E22DE9}" type="datetimeFigureOut">
               <a:rPr lang="pt-BR" smtClean="0"/>
-              <a:t>11/09/2019</a:t>
+              <a:t>16/09/2019</a:t>
             </a:fld>
             <a:endParaRPr lang="pt-BR"/>
           </a:p>
@@ -1243,7 +1243,7 @@
           <a:p>
             <a:fld id="{8F2667C3-B334-4B1C-BDBA-D4E814E22DE9}" type="datetimeFigureOut">
               <a:rPr lang="pt-BR" smtClean="0"/>
-              <a:t>11/09/2019</a:t>
+              <a:t>16/09/2019</a:t>
             </a:fld>
             <a:endParaRPr lang="pt-BR"/>
           </a:p>
@@ -1610,7 +1610,7 @@
           <a:p>
             <a:fld id="{8F2667C3-B334-4B1C-BDBA-D4E814E22DE9}" type="datetimeFigureOut">
               <a:rPr lang="pt-BR" smtClean="0"/>
-              <a:t>11/09/2019</a:t>
+              <a:t>16/09/2019</a:t>
             </a:fld>
             <a:endParaRPr lang="pt-BR"/>
           </a:p>
@@ -1728,7 +1728,7 @@
           <a:p>
             <a:fld id="{8F2667C3-B334-4B1C-BDBA-D4E814E22DE9}" type="datetimeFigureOut">
               <a:rPr lang="pt-BR" smtClean="0"/>
-              <a:t>11/09/2019</a:t>
+              <a:t>16/09/2019</a:t>
             </a:fld>
             <a:endParaRPr lang="pt-BR"/>
           </a:p>
@@ -1823,7 +1823,7 @@
           <a:p>
             <a:fld id="{8F2667C3-B334-4B1C-BDBA-D4E814E22DE9}" type="datetimeFigureOut">
               <a:rPr lang="pt-BR" smtClean="0"/>
-              <a:t>11/09/2019</a:t>
+              <a:t>16/09/2019</a:t>
             </a:fld>
             <a:endParaRPr lang="pt-BR"/>
           </a:p>
@@ -2100,7 +2100,7 @@
           <a:p>
             <a:fld id="{8F2667C3-B334-4B1C-BDBA-D4E814E22DE9}" type="datetimeFigureOut">
               <a:rPr lang="pt-BR" smtClean="0"/>
-              <a:t>11/09/2019</a:t>
+              <a:t>16/09/2019</a:t>
             </a:fld>
             <a:endParaRPr lang="pt-BR"/>
           </a:p>
@@ -2357,7 +2357,7 @@
           <a:p>
             <a:fld id="{8F2667C3-B334-4B1C-BDBA-D4E814E22DE9}" type="datetimeFigureOut">
               <a:rPr lang="pt-BR" smtClean="0"/>
-              <a:t>11/09/2019</a:t>
+              <a:t>16/09/2019</a:t>
             </a:fld>
             <a:endParaRPr lang="pt-BR"/>
           </a:p>
@@ -2570,7 +2570,7 @@
           <a:p>
             <a:fld id="{8F2667C3-B334-4B1C-BDBA-D4E814E22DE9}" type="datetimeFigureOut">
               <a:rPr lang="pt-BR" smtClean="0"/>
-              <a:t>11/09/2019</a:t>
+              <a:t>16/09/2019</a:t>
             </a:fld>
             <a:endParaRPr lang="pt-BR"/>
           </a:p>
@@ -3080,7 +3080,7 @@
           <p:nvPr>
             <p:extLst>
               <p:ext uri="{D42A27DB-BD31-4B8C-83A1-F6EECF244321}">
-                <p14:modId xmlns:p14="http://schemas.microsoft.com/office/powerpoint/2010/main" val="3418908638"/>
+                <p14:modId xmlns:p14="http://schemas.microsoft.com/office/powerpoint/2010/main" val="4086649257"/>
               </p:ext>
             </p:extLst>
           </p:nvPr>
@@ -3093,7 +3093,7 @@
           <a:graphicData uri="http://schemas.openxmlformats.org/presentationml/2006/ole">
             <mc:AlternateContent xmlns:mc="http://schemas.openxmlformats.org/markup-compatibility/2006">
               <mc:Choice xmlns:v="urn:schemas-microsoft-com:vml" Requires="v">
-                <p:oleObj spid="_x0000_s1038" name="Acrobat Document" r:id="rId3" imgW="3295650" imgH="1847545" progId="AcroExch.Document.DC">
+                <p:oleObj spid="_x0000_s1040" name="Acrobat Document" r:id="rId3" imgW="3295650" imgH="1847545" progId="AcroExch.Document.DC">
                   <p:embed/>
                 </p:oleObj>
               </mc:Choice>
@@ -4878,6 +4878,100 @@
               <a:t>https://www.w3schools.com/w3css/tryw3css_templates_parallax.htm</a:t>
             </a:r>
             <a:endParaRPr lang="pt-BR" dirty="0"/>
+          </a:p>
+        </p:txBody>
+      </p:sp>
+      <p:pic>
+        <p:nvPicPr>
+          <p:cNvPr id="17" name="Imagem 16"/>
+          <p:cNvPicPr preferRelativeResize="0">
+            <a:picLocks/>
+          </p:cNvPicPr>
+          <p:nvPr/>
+        </p:nvPicPr>
+        <p:blipFill>
+          <a:blip r:embed="rId9">
+            <a:extLst>
+              <a:ext uri="{28A0092B-C50C-407E-A947-70E740481C1C}">
+                <a14:useLocalDpi xmlns:a14="http://schemas.microsoft.com/office/drawing/2010/main" val="0"/>
+              </a:ext>
+            </a:extLst>
+          </a:blip>
+          <a:stretch>
+            <a:fillRect/>
+          </a:stretch>
+        </p:blipFill>
+        <p:spPr>
+          <a:xfrm>
+            <a:off x="-3034403" y="894067"/>
+            <a:ext cx="15988048" cy="9504000"/>
+          </a:xfrm>
+          <a:prstGeom prst="rect">
+            <a:avLst/>
+          </a:prstGeom>
+        </p:spPr>
+      </p:pic>
+      <p:sp>
+        <p:nvSpPr>
+          <p:cNvPr id="22" name="CaixaDeTexto 21"/>
+          <p:cNvSpPr txBox="1"/>
+          <p:nvPr/>
+        </p:nvSpPr>
+        <p:spPr>
+          <a:xfrm>
+            <a:off x="-2697480" y="372922"/>
+            <a:ext cx="184731" cy="369332"/>
+          </a:xfrm>
+          <a:prstGeom prst="rect">
+            <a:avLst/>
+          </a:prstGeom>
+          <a:noFill/>
+        </p:spPr>
+        <p:txBody>
+          <a:bodyPr wrap="none" rtlCol="0">
+            <a:spAutoFit/>
+          </a:bodyPr>
+          <a:lstStyle/>
+          <a:p>
+            <a:endParaRPr lang="pt-BR" dirty="0"/>
+          </a:p>
+        </p:txBody>
+      </p:sp>
+      <p:sp>
+        <p:nvSpPr>
+          <p:cNvPr id="23" name="CaixaDeTexto 22"/>
+          <p:cNvSpPr txBox="1"/>
+          <p:nvPr/>
+        </p:nvSpPr>
+        <p:spPr>
+          <a:xfrm>
+            <a:off x="418506" y="5123506"/>
+            <a:ext cx="9082230" cy="1323439"/>
+          </a:xfrm>
+          <a:prstGeom prst="rect">
+            <a:avLst/>
+          </a:prstGeom>
+          <a:noFill/>
+        </p:spPr>
+        <p:txBody>
+          <a:bodyPr wrap="none" rtlCol="0">
+            <a:spAutoFit/>
+          </a:bodyPr>
+          <a:lstStyle/>
+          <a:p>
+            <a:r>
+              <a:rPr lang="pt-BR" sz="8000" dirty="0" smtClean="0">
+                <a:solidFill>
+                  <a:schemeClr val="bg1"/>
+                </a:solidFill>
+              </a:rPr>
+              <a:t>BANNER  SENAI AQUI</a:t>
+            </a:r>
+            <a:endParaRPr lang="pt-BR" sz="8000" dirty="0">
+              <a:solidFill>
+                <a:schemeClr val="bg1"/>
+              </a:solidFill>
+            </a:endParaRPr>
           </a:p>
         </p:txBody>
       </p:sp>
